--- a/eece2160/sp16/lectures/eece.2160sp16_lec29_dyn_alloc_p2.pptx
+++ b/eece2160/sp16/lectures/eece.2160sp16_lec29_dyn_alloc_p2.pptx
@@ -5,10 +5,10 @@
     <p:sldMasterId id="2147483792" r:id="rId1"/>
   </p:sldMasterIdLst>
   <p:notesMasterIdLst>
-    <p:notesMasterId r:id="rId17"/>
+    <p:notesMasterId r:id="rId14"/>
   </p:notesMasterIdLst>
   <p:handoutMasterIdLst>
-    <p:handoutMasterId r:id="rId18"/>
+    <p:handoutMasterId r:id="rId15"/>
   </p:handoutMasterIdLst>
   <p:sldIdLst>
     <p:sldId id="256" r:id="rId2"/>
@@ -22,10 +22,7 @@
     <p:sldId id="485" r:id="rId10"/>
     <p:sldId id="486" r:id="rId11"/>
     <p:sldId id="487" r:id="rId12"/>
-    <p:sldId id="474" r:id="rId13"/>
-    <p:sldId id="475" r:id="rId14"/>
-    <p:sldId id="476" r:id="rId15"/>
-    <p:sldId id="324" r:id="rId16"/>
+    <p:sldId id="324" r:id="rId13"/>
   </p:sldIdLst>
   <p:sldSz cx="9144000" cy="6858000" type="screen4x3"/>
   <p:notesSz cx="9144000" cy="6858000"/>
@@ -1330,7 +1327,7 @@
           <a:p>
             <a:fld id="{BB5014D8-D7CC-704B-A5C9-38D7702E3103}" type="datetime1">
               <a:rPr lang="en-US" smtClean="0"/>
-              <a:t>4/12/16</a:t>
+              <a:t>4/14/16</a:t>
             </a:fld>
             <a:endParaRPr lang="en-US"/>
           </a:p>
@@ -1527,7 +1524,7 @@
           <a:p>
             <a:fld id="{64224628-30BE-DB47-9E32-4CF056EDFEFF}" type="datetime1">
               <a:rPr lang="en-US" smtClean="0"/>
-              <a:t>4/12/16</a:t>
+              <a:t>4/14/16</a:t>
             </a:fld>
             <a:endParaRPr lang="en-US"/>
           </a:p>
@@ -1733,7 +1730,7 @@
           <a:p>
             <a:fld id="{C1727A09-6B72-8942-83AC-AD885FB9356B}" type="datetime1">
               <a:rPr lang="en-US" smtClean="0"/>
-              <a:t>4/12/16</a:t>
+              <a:t>4/14/16</a:t>
             </a:fld>
             <a:endParaRPr lang="en-US"/>
           </a:p>
@@ -1996,7 +1993,7 @@
           <a:p>
             <a:fld id="{CDB10998-FF43-BF4B-8554-A2B899855CF7}" type="datetime1">
               <a:rPr lang="en-US" smtClean="0"/>
-              <a:t>4/12/16</a:t>
+              <a:t>4/14/16</a:t>
             </a:fld>
             <a:endParaRPr lang="en-US"/>
           </a:p>
@@ -2259,7 +2256,7 @@
           <a:p>
             <a:fld id="{5644EB2F-EBC8-4247-8DF1-4EFD09584D84}" type="datetime1">
               <a:rPr lang="en-US" smtClean="0"/>
-              <a:t>4/12/16</a:t>
+              <a:t>4/14/16</a:t>
             </a:fld>
             <a:endParaRPr lang="en-US"/>
           </a:p>
@@ -2455,7 +2452,7 @@
           <a:p>
             <a:fld id="{D41B6ADC-D78F-2648-9AB4-B95A83A16369}" type="datetime1">
               <a:rPr lang="en-US" smtClean="0"/>
-              <a:t>4/12/16</a:t>
+              <a:t>4/14/16</a:t>
             </a:fld>
             <a:endParaRPr lang="en-US"/>
           </a:p>
@@ -2673,7 +2670,7 @@
           <a:p>
             <a:fld id="{2AFA026E-F7FD-BC4F-B047-5F5583069060}" type="datetime1">
               <a:rPr lang="en-US" smtClean="0"/>
-              <a:t>4/12/16</a:t>
+              <a:t>4/14/16</a:t>
             </a:fld>
             <a:endParaRPr lang="en-US"/>
           </a:p>
@@ -2987,7 +2984,7 @@
           <a:p>
             <a:fld id="{1FB4C319-DC14-3F46-B37E-6D7287EC4AEA}" type="datetime1">
               <a:rPr lang="en-US" smtClean="0"/>
-              <a:t>4/12/16</a:t>
+              <a:t>4/14/16</a:t>
             </a:fld>
             <a:endParaRPr lang="en-US"/>
           </a:p>
@@ -3440,7 +3437,7 @@
           <a:p>
             <a:fld id="{38899BE9-A3DE-4F43-A7FC-34E6143A990D}" type="datetime1">
               <a:rPr lang="en-US" smtClean="0"/>
-              <a:t>4/12/16</a:t>
+              <a:t>4/14/16</a:t>
             </a:fld>
             <a:endParaRPr lang="en-US"/>
           </a:p>
@@ -3584,7 +3581,7 @@
           <a:p>
             <a:fld id="{056F2F05-3A87-FA4E-926D-C181BF08D623}" type="datetime1">
               <a:rPr lang="en-US" smtClean="0"/>
-              <a:t>4/12/16</a:t>
+              <a:t>4/14/16</a:t>
             </a:fld>
             <a:endParaRPr lang="en-US"/>
           </a:p>
@@ -3705,7 +3702,7 @@
           <a:p>
             <a:fld id="{C7C3ABD9-6EB0-7D41-A88F-C5FC8510F6F3}" type="datetime1">
               <a:rPr lang="en-US" smtClean="0"/>
-              <a:t>4/12/16</a:t>
+              <a:t>4/14/16</a:t>
             </a:fld>
             <a:endParaRPr lang="en-US"/>
           </a:p>
@@ -4008,7 +4005,7 @@
           <a:p>
             <a:fld id="{45F01449-1D41-364E-8E66-3201FD08AF11}" type="datetime1">
               <a:rPr lang="en-US" smtClean="0"/>
-              <a:t>4/12/16</a:t>
+              <a:t>4/14/16</a:t>
             </a:fld>
             <a:endParaRPr lang="en-US"/>
           </a:p>
@@ -4288,7 +4285,7 @@
           <a:p>
             <a:fld id="{1E7D2E34-B2F3-6048-B325-781A80273556}" type="datetime1">
               <a:rPr lang="en-US" smtClean="0"/>
-              <a:t>4/12/16</a:t>
+              <a:t>4/14/16</a:t>
             </a:fld>
             <a:endParaRPr lang="en-US"/>
           </a:p>
@@ -4587,7 +4584,7 @@
           <a:p>
             <a:fld id="{FEC66338-5995-0445-88C7-2BC00AFC1BD7}" type="datetime1">
               <a:rPr lang="en-US" smtClean="0"/>
-              <a:t>4/12/16</a:t>
+              <a:t>4/14/16</a:t>
             </a:fld>
             <a:endParaRPr lang="en-US"/>
           </a:p>
@@ -5465,16 +5462,7 @@
                 </a:solidFill>
                 <a:latin typeface="Arial" charset="0"/>
               </a:rPr>
-              <a:t>29</a:t>
-            </a:r>
-            <a:r>
-              <a:rPr lang="en-US" b="1" dirty="0" smtClean="0">
-                <a:solidFill>
-                  <a:srgbClr val="0000FF"/>
-                </a:solidFill>
-                <a:latin typeface="Arial" charset="0"/>
-              </a:rPr>
-              <a:t>:</a:t>
+              <a:t>29:</a:t>
             </a:r>
             <a:endParaRPr lang="en-US" dirty="0">
               <a:latin typeface="Arial" charset="0"/>
@@ -6025,7 +6013,7 @@
                 <a:latin typeface="Garamond" charset="0"/>
               </a:rPr>
               <a:pPr eaLnBrk="1" hangingPunct="1"/>
-              <a:t>4/12/16</a:t>
+              <a:t>4/14/16</a:t>
             </a:fld>
             <a:endParaRPr lang="en-US" sz="1200">
               <a:latin typeface="Garamond" charset="0"/>
@@ -6699,7 +6687,7 @@
                 <a:latin typeface="Garamond" charset="0"/>
               </a:rPr>
               <a:pPr eaLnBrk="1" hangingPunct="1"/>
-              <a:t>4/12/16</a:t>
+              <a:t>4/14/16</a:t>
             </a:fld>
             <a:endParaRPr lang="en-US" sz="1200">
               <a:latin typeface="Garamond" charset="0"/>
@@ -6929,2978 +6917,6 @@
       </p:grpSpPr>
       <p:sp>
         <p:nvSpPr>
-          <p:cNvPr id="37889" name="Title 1"/>
-          <p:cNvSpPr>
-            <a:spLocks noGrp="1"/>
-          </p:cNvSpPr>
-          <p:nvPr>
-            <p:ph type="title"/>
-          </p:nvPr>
-        </p:nvSpPr>
-        <p:spPr/>
-        <p:txBody>
-          <a:bodyPr/>
-          <a:lstStyle/>
-          <a:p>
-            <a:r>
-              <a:rPr lang="en-US">
-                <a:latin typeface="Garamond" charset="0"/>
-              </a:rPr>
-              <a:t>Example</a:t>
-            </a:r>
-          </a:p>
-        </p:txBody>
-      </p:sp>
-      <p:sp>
-        <p:nvSpPr>
-          <p:cNvPr id="3" name="Content Placeholder 2"/>
-          <p:cNvSpPr>
-            <a:spLocks noGrp="1"/>
-          </p:cNvSpPr>
-          <p:nvPr>
-            <p:ph idx="1"/>
-          </p:nvPr>
-        </p:nvSpPr>
-        <p:spPr/>
-        <p:txBody>
-          <a:bodyPr>
-            <a:normAutofit fontScale="92500" lnSpcReduction="10000"/>
-          </a:bodyPr>
-          <a:lstStyle/>
-          <a:p>
-            <a:pPr>
-              <a:buFont typeface="Wingdings" pitchFamily="2" charset="2"/>
-              <a:buChar char="n"/>
-              <a:defRPr/>
-            </a:pPr>
-            <a:r>
-              <a:rPr lang="en-US" dirty="0" smtClean="0">
-                <a:ea typeface="+mn-ea"/>
-                <a:cs typeface="+mn-cs"/>
-              </a:rPr>
-              <a:t>Complete each of the following functions</a:t>
-            </a:r>
-          </a:p>
-          <a:p>
-            <a:pPr lvl="1">
-              <a:buFont typeface="Wingdings" pitchFamily="2" charset="2"/>
-              <a:buChar char="q"/>
-              <a:defRPr/>
-            </a:pPr>
-            <a:r>
-              <a:rPr lang="en-US" b="1" dirty="0">
-                <a:solidFill>
-                  <a:srgbClr val="FF0000"/>
-                </a:solidFill>
-                <a:latin typeface="Courier New" pitchFamily="49" charset="0"/>
-                <a:cs typeface="Courier New" pitchFamily="49" charset="0"/>
-              </a:rPr>
-              <a:t>char *</a:t>
-            </a:r>
-            <a:r>
-              <a:rPr lang="en-US" b="1" dirty="0" err="1">
-                <a:solidFill>
-                  <a:srgbClr val="FF0000"/>
-                </a:solidFill>
-                <a:latin typeface="Courier New" pitchFamily="49" charset="0"/>
-                <a:cs typeface="Courier New" pitchFamily="49" charset="0"/>
-              </a:rPr>
-              <a:t>readLine</a:t>
-            </a:r>
-            <a:r>
-              <a:rPr lang="en-US" b="1" dirty="0" smtClean="0">
-                <a:solidFill>
-                  <a:srgbClr val="FF0000"/>
-                </a:solidFill>
-                <a:latin typeface="Courier New" pitchFamily="49" charset="0"/>
-                <a:cs typeface="Courier New" pitchFamily="49" charset="0"/>
-              </a:rPr>
-              <a:t>():</a:t>
-            </a:r>
-            <a:r>
-              <a:rPr lang="en-US" dirty="0" smtClean="0"/>
-              <a:t> Read a line of data from the standard input, store that data in a dynamically allocated string, and return the string (as a </a:t>
-            </a:r>
-            <a:r>
-              <a:rPr lang="en-US" b="1" dirty="0" smtClean="0">
-                <a:latin typeface="Courier New" pitchFamily="49" charset="0"/>
-                <a:cs typeface="Courier New" pitchFamily="49" charset="0"/>
-              </a:rPr>
-              <a:t>char *</a:t>
-            </a:r>
-            <a:r>
-              <a:rPr lang="en-US" dirty="0" smtClean="0"/>
-              <a:t>)</a:t>
-            </a:r>
-          </a:p>
-          <a:p>
-            <a:pPr lvl="2">
-              <a:buFont typeface="Wingdings" pitchFamily="2" charset="2"/>
-              <a:buChar char="n"/>
-              <a:defRPr/>
-            </a:pPr>
-            <a:r>
-              <a:rPr lang="en-US" dirty="0" smtClean="0"/>
-              <a:t>Hint: Read the data one character at a time and repeatedly reallocate space in the string</a:t>
-            </a:r>
-          </a:p>
-          <a:p>
-            <a:pPr lvl="1">
-              <a:buFont typeface="Wingdings" pitchFamily="2" charset="2"/>
-              <a:buChar char="q"/>
-              <a:defRPr/>
-            </a:pPr>
-            <a:r>
-              <a:rPr lang="en-US" b="1" dirty="0" err="1" smtClean="0">
-                <a:solidFill>
-                  <a:srgbClr val="FF0000"/>
-                </a:solidFill>
-                <a:latin typeface="Courier New" pitchFamily="49" charset="0"/>
-                <a:cs typeface="Courier New" pitchFamily="49" charset="0"/>
-              </a:rPr>
-              <a:t>int</a:t>
-            </a:r>
-            <a:r>
-              <a:rPr lang="en-US" b="1" dirty="0" smtClean="0">
-                <a:solidFill>
-                  <a:srgbClr val="FF0000"/>
-                </a:solidFill>
-                <a:latin typeface="Courier New" pitchFamily="49" charset="0"/>
-                <a:cs typeface="Courier New" pitchFamily="49" charset="0"/>
-              </a:rPr>
-              <a:t> **make2DArray(</a:t>
-            </a:r>
-            <a:r>
-              <a:rPr lang="en-US" b="1" dirty="0" err="1" smtClean="0">
-                <a:solidFill>
-                  <a:srgbClr val="FF0000"/>
-                </a:solidFill>
-                <a:latin typeface="Courier New" pitchFamily="49" charset="0"/>
-                <a:cs typeface="Courier New" pitchFamily="49" charset="0"/>
-              </a:rPr>
-              <a:t>int</a:t>
-            </a:r>
-            <a:r>
-              <a:rPr lang="en-US" b="1" dirty="0" smtClean="0">
-                <a:solidFill>
-                  <a:srgbClr val="FF0000"/>
-                </a:solidFill>
-                <a:latin typeface="Courier New" pitchFamily="49" charset="0"/>
-                <a:cs typeface="Courier New" pitchFamily="49" charset="0"/>
-              </a:rPr>
-              <a:t> total, </a:t>
-            </a:r>
-            <a:r>
-              <a:rPr lang="en-US" b="1" dirty="0" err="1" smtClean="0">
-                <a:solidFill>
-                  <a:srgbClr val="FF0000"/>
-                </a:solidFill>
-                <a:latin typeface="Courier New" pitchFamily="49" charset="0"/>
-                <a:cs typeface="Courier New" pitchFamily="49" charset="0"/>
-              </a:rPr>
-              <a:t>int</a:t>
-            </a:r>
-            <a:r>
-              <a:rPr lang="en-US" b="1" dirty="0" smtClean="0">
-                <a:solidFill>
-                  <a:srgbClr val="FF0000"/>
-                </a:solidFill>
-                <a:latin typeface="Courier New" pitchFamily="49" charset="0"/>
-                <a:cs typeface="Courier New" pitchFamily="49" charset="0"/>
-              </a:rPr>
-              <a:t> </a:t>
-            </a:r>
-            <a:r>
-              <a:rPr lang="en-US" b="1" dirty="0" err="1" smtClean="0">
-                <a:solidFill>
-                  <a:srgbClr val="FF0000"/>
-                </a:solidFill>
-                <a:latin typeface="Courier New" pitchFamily="49" charset="0"/>
-                <a:cs typeface="Courier New" pitchFamily="49" charset="0"/>
-              </a:rPr>
-              <a:t>nR</a:t>
-            </a:r>
-            <a:r>
-              <a:rPr lang="en-US" b="1" dirty="0" smtClean="0">
-                <a:solidFill>
-                  <a:srgbClr val="FF0000"/>
-                </a:solidFill>
-                <a:latin typeface="Courier New" pitchFamily="49" charset="0"/>
-                <a:cs typeface="Courier New" pitchFamily="49" charset="0"/>
-              </a:rPr>
-              <a:t>):</a:t>
-            </a:r>
-            <a:r>
-              <a:rPr lang="en-US" dirty="0" smtClean="0"/>
-              <a:t> Given the total number of values and number of rows to be stored in a two-dimensional array, determine the appropriate number of columns, allocate the array, and return its starting address</a:t>
-            </a:r>
-          </a:p>
-          <a:p>
-            <a:pPr lvl="2">
-              <a:buFont typeface="Wingdings" pitchFamily="2" charset="2"/>
-              <a:buChar char="n"/>
-              <a:defRPr/>
-            </a:pPr>
-            <a:r>
-              <a:rPr lang="en-US" dirty="0" smtClean="0"/>
-              <a:t>Note: if </a:t>
-            </a:r>
-            <a:r>
-              <a:rPr lang="en-US" b="1" dirty="0" err="1" smtClean="0">
-                <a:latin typeface="Courier New" pitchFamily="49" charset="0"/>
-                <a:cs typeface="Courier New" pitchFamily="49" charset="0"/>
-              </a:rPr>
-              <a:t>nR</a:t>
-            </a:r>
-            <a:r>
-              <a:rPr lang="en-US" dirty="0" smtClean="0"/>
-              <a:t> does not divide evenly into </a:t>
-            </a:r>
-            <a:r>
-              <a:rPr lang="en-US" b="1" dirty="0" smtClean="0">
-                <a:latin typeface="Courier New" pitchFamily="49" charset="0"/>
-                <a:cs typeface="Courier New" pitchFamily="49" charset="0"/>
-              </a:rPr>
-              <a:t>total</a:t>
-            </a:r>
-            <a:r>
-              <a:rPr lang="en-US" dirty="0" smtClean="0"/>
-              <a:t>, round up. In other words, an array with 30 values and 4 rows should have 8 columns, even though 30 / 4 = 7.5</a:t>
-            </a:r>
-          </a:p>
-        </p:txBody>
-      </p:sp>
-      <p:sp>
-        <p:nvSpPr>
-          <p:cNvPr id="37891" name="Date Placeholder 3"/>
-          <p:cNvSpPr>
-            <a:spLocks noGrp="1"/>
-          </p:cNvSpPr>
-          <p:nvPr>
-            <p:ph type="dt" sz="quarter" idx="10"/>
-          </p:nvPr>
-        </p:nvSpPr>
-        <p:spPr>
-          <a:noFill/>
-          <a:ln/>
-          <a:extLst>
-            <a:ext uri="{909E8E84-426E-40dd-AFC4-6F175D3DCCD1}">
-              <a14:hiddenFill xmlns:a14="http://schemas.microsoft.com/office/drawing/2010/main">
-                <a:solidFill>
-                  <a:srgbClr val="FFFFFF"/>
-                </a:solidFill>
-              </a14:hiddenFill>
-            </a:ext>
-            <a:ext uri="{91240B29-F687-4f45-9708-019B960494DF}">
-              <a14:hiddenLine xmlns:a14="http://schemas.microsoft.com/office/drawing/2010/main" w="9525">
-                <a:solidFill>
-                  <a:srgbClr val="000000"/>
-                </a:solidFill>
-                <a:miter lim="800000"/>
-                <a:headEnd/>
-                <a:tailEnd/>
-              </a14:hiddenLine>
-            </a:ext>
-          </a:extLst>
-        </p:spPr>
-        <p:txBody>
-          <a:bodyPr/>
-          <a:lstStyle>
-            <a:lvl1pPr eaLnBrk="0" hangingPunct="0">
-              <a:defRPr sz="2400">
-                <a:solidFill>
-                  <a:schemeClr val="tx1"/>
-                </a:solidFill>
-                <a:latin typeface="Arial" charset="0"/>
-                <a:ea typeface="ＭＳ Ｐゴシック" charset="0"/>
-                <a:cs typeface="ＭＳ Ｐゴシック" charset="0"/>
-              </a:defRPr>
-            </a:lvl1pPr>
-            <a:lvl2pPr marL="742950" indent="-285750" eaLnBrk="0" hangingPunct="0">
-              <a:defRPr sz="2400">
-                <a:solidFill>
-                  <a:schemeClr val="tx1"/>
-                </a:solidFill>
-                <a:latin typeface="Arial" charset="0"/>
-                <a:ea typeface="ＭＳ Ｐゴシック" charset="0"/>
-              </a:defRPr>
-            </a:lvl2pPr>
-            <a:lvl3pPr marL="1143000" indent="-228600" eaLnBrk="0" hangingPunct="0">
-              <a:defRPr sz="2400">
-                <a:solidFill>
-                  <a:schemeClr val="tx1"/>
-                </a:solidFill>
-                <a:latin typeface="Arial" charset="0"/>
-                <a:ea typeface="ＭＳ Ｐゴシック" charset="0"/>
-              </a:defRPr>
-            </a:lvl3pPr>
-            <a:lvl4pPr marL="1600200" indent="-228600" eaLnBrk="0" hangingPunct="0">
-              <a:defRPr sz="2400">
-                <a:solidFill>
-                  <a:schemeClr val="tx1"/>
-                </a:solidFill>
-                <a:latin typeface="Arial" charset="0"/>
-                <a:ea typeface="ＭＳ Ｐゴシック" charset="0"/>
-              </a:defRPr>
-            </a:lvl4pPr>
-            <a:lvl5pPr marL="2057400" indent="-228600" eaLnBrk="0" hangingPunct="0">
-              <a:defRPr sz="2400">
-                <a:solidFill>
-                  <a:schemeClr val="tx1"/>
-                </a:solidFill>
-                <a:latin typeface="Arial" charset="0"/>
-                <a:ea typeface="ＭＳ Ｐゴシック" charset="0"/>
-              </a:defRPr>
-            </a:lvl5pPr>
-            <a:lvl6pPr marL="2514600" indent="-228600" eaLnBrk="0" fontAlgn="base" hangingPunct="0">
-              <a:spcBef>
-                <a:spcPct val="0"/>
-              </a:spcBef>
-              <a:spcAft>
-                <a:spcPct val="0"/>
-              </a:spcAft>
-              <a:defRPr sz="2400">
-                <a:solidFill>
-                  <a:schemeClr val="tx1"/>
-                </a:solidFill>
-                <a:latin typeface="Arial" charset="0"/>
-                <a:ea typeface="ＭＳ Ｐゴシック" charset="0"/>
-              </a:defRPr>
-            </a:lvl6pPr>
-            <a:lvl7pPr marL="2971800" indent="-228600" eaLnBrk="0" fontAlgn="base" hangingPunct="0">
-              <a:spcBef>
-                <a:spcPct val="0"/>
-              </a:spcBef>
-              <a:spcAft>
-                <a:spcPct val="0"/>
-              </a:spcAft>
-              <a:defRPr sz="2400">
-                <a:solidFill>
-                  <a:schemeClr val="tx1"/>
-                </a:solidFill>
-                <a:latin typeface="Arial" charset="0"/>
-                <a:ea typeface="ＭＳ Ｐゴシック" charset="0"/>
-              </a:defRPr>
-            </a:lvl7pPr>
-            <a:lvl8pPr marL="3429000" indent="-228600" eaLnBrk="0" fontAlgn="base" hangingPunct="0">
-              <a:spcBef>
-                <a:spcPct val="0"/>
-              </a:spcBef>
-              <a:spcAft>
-                <a:spcPct val="0"/>
-              </a:spcAft>
-              <a:defRPr sz="2400">
-                <a:solidFill>
-                  <a:schemeClr val="tx1"/>
-                </a:solidFill>
-                <a:latin typeface="Arial" charset="0"/>
-                <a:ea typeface="ＭＳ Ｐゴシック" charset="0"/>
-              </a:defRPr>
-            </a:lvl8pPr>
-            <a:lvl9pPr marL="3886200" indent="-228600" eaLnBrk="0" fontAlgn="base" hangingPunct="0">
-              <a:spcBef>
-                <a:spcPct val="0"/>
-              </a:spcBef>
-              <a:spcAft>
-                <a:spcPct val="0"/>
-              </a:spcAft>
-              <a:defRPr sz="2400">
-                <a:solidFill>
-                  <a:schemeClr val="tx1"/>
-                </a:solidFill>
-                <a:latin typeface="Arial" charset="0"/>
-                <a:ea typeface="ＭＳ Ｐゴシック" charset="0"/>
-              </a:defRPr>
-            </a:lvl9pPr>
-          </a:lstStyle>
-          <a:p>
-            <a:pPr eaLnBrk="1" hangingPunct="1"/>
-            <a:fld id="{79E6184B-CB2A-564E-AEDE-CB839DF506D7}" type="datetime1">
-              <a:rPr lang="en-US" sz="1200" smtClean="0">
-                <a:latin typeface="Garamond" charset="0"/>
-              </a:rPr>
-              <a:t>4/12/16</a:t>
-            </a:fld>
-            <a:endParaRPr lang="en-US" sz="1200">
-              <a:latin typeface="Garamond" charset="0"/>
-            </a:endParaRPr>
-          </a:p>
-        </p:txBody>
-      </p:sp>
-      <p:sp>
-        <p:nvSpPr>
-          <p:cNvPr id="5" name="Footer Placeholder 4"/>
-          <p:cNvSpPr>
-            <a:spLocks noGrp="1"/>
-          </p:cNvSpPr>
-          <p:nvPr>
-            <p:ph type="ftr" sz="quarter" idx="11"/>
-          </p:nvPr>
-        </p:nvSpPr>
-        <p:spPr/>
-        <p:txBody>
-          <a:bodyPr/>
-          <a:lstStyle/>
-          <a:p>
-            <a:pPr>
-              <a:defRPr/>
-            </a:pPr>
-            <a:r>
-              <a:rPr lang="en-US" altLang="en-US" smtClean="0"/>
-              <a:t>ECE Application Programming: Lecture 29</a:t>
-            </a:r>
-            <a:endParaRPr lang="en-US" altLang="en-US"/>
-          </a:p>
-        </p:txBody>
-      </p:sp>
-      <p:sp>
-        <p:nvSpPr>
-          <p:cNvPr id="37893" name="Slide Number Placeholder 5"/>
-          <p:cNvSpPr>
-            <a:spLocks noGrp="1"/>
-          </p:cNvSpPr>
-          <p:nvPr>
-            <p:ph type="sldNum" sz="quarter" idx="12"/>
-          </p:nvPr>
-        </p:nvSpPr>
-        <p:spPr>
-          <a:noFill/>
-          <a:ln/>
-          <a:extLst>
-            <a:ext uri="{909E8E84-426E-40dd-AFC4-6F175D3DCCD1}">
-              <a14:hiddenFill xmlns:a14="http://schemas.microsoft.com/office/drawing/2010/main">
-                <a:solidFill>
-                  <a:srgbClr val="FFFFFF"/>
-                </a:solidFill>
-              </a14:hiddenFill>
-            </a:ext>
-            <a:ext uri="{91240B29-F687-4f45-9708-019B960494DF}">
-              <a14:hiddenLine xmlns:a14="http://schemas.microsoft.com/office/drawing/2010/main" w="9525">
-                <a:solidFill>
-                  <a:srgbClr val="000000"/>
-                </a:solidFill>
-                <a:miter lim="800000"/>
-                <a:headEnd/>
-                <a:tailEnd/>
-              </a14:hiddenLine>
-            </a:ext>
-          </a:extLst>
-        </p:spPr>
-        <p:txBody>
-          <a:bodyPr/>
-          <a:lstStyle>
-            <a:lvl1pPr eaLnBrk="0" hangingPunct="0">
-              <a:defRPr sz="2400">
-                <a:solidFill>
-                  <a:schemeClr val="tx1"/>
-                </a:solidFill>
-                <a:latin typeface="Arial" charset="0"/>
-                <a:ea typeface="ＭＳ Ｐゴシック" charset="0"/>
-                <a:cs typeface="ＭＳ Ｐゴシック" charset="0"/>
-              </a:defRPr>
-            </a:lvl1pPr>
-            <a:lvl2pPr marL="742950" indent="-285750" eaLnBrk="0" hangingPunct="0">
-              <a:defRPr sz="2400">
-                <a:solidFill>
-                  <a:schemeClr val="tx1"/>
-                </a:solidFill>
-                <a:latin typeface="Arial" charset="0"/>
-                <a:ea typeface="ＭＳ Ｐゴシック" charset="0"/>
-              </a:defRPr>
-            </a:lvl2pPr>
-            <a:lvl3pPr marL="1143000" indent="-228600" eaLnBrk="0" hangingPunct="0">
-              <a:defRPr sz="2400">
-                <a:solidFill>
-                  <a:schemeClr val="tx1"/>
-                </a:solidFill>
-                <a:latin typeface="Arial" charset="0"/>
-                <a:ea typeface="ＭＳ Ｐゴシック" charset="0"/>
-              </a:defRPr>
-            </a:lvl3pPr>
-            <a:lvl4pPr marL="1600200" indent="-228600" eaLnBrk="0" hangingPunct="0">
-              <a:defRPr sz="2400">
-                <a:solidFill>
-                  <a:schemeClr val="tx1"/>
-                </a:solidFill>
-                <a:latin typeface="Arial" charset="0"/>
-                <a:ea typeface="ＭＳ Ｐゴシック" charset="0"/>
-              </a:defRPr>
-            </a:lvl4pPr>
-            <a:lvl5pPr marL="2057400" indent="-228600" eaLnBrk="0" hangingPunct="0">
-              <a:defRPr sz="2400">
-                <a:solidFill>
-                  <a:schemeClr val="tx1"/>
-                </a:solidFill>
-                <a:latin typeface="Arial" charset="0"/>
-                <a:ea typeface="ＭＳ Ｐゴシック" charset="0"/>
-              </a:defRPr>
-            </a:lvl5pPr>
-            <a:lvl6pPr marL="2514600" indent="-228600" eaLnBrk="0" fontAlgn="base" hangingPunct="0">
-              <a:spcBef>
-                <a:spcPct val="0"/>
-              </a:spcBef>
-              <a:spcAft>
-                <a:spcPct val="0"/>
-              </a:spcAft>
-              <a:defRPr sz="2400">
-                <a:solidFill>
-                  <a:schemeClr val="tx1"/>
-                </a:solidFill>
-                <a:latin typeface="Arial" charset="0"/>
-                <a:ea typeface="ＭＳ Ｐゴシック" charset="0"/>
-              </a:defRPr>
-            </a:lvl6pPr>
-            <a:lvl7pPr marL="2971800" indent="-228600" eaLnBrk="0" fontAlgn="base" hangingPunct="0">
-              <a:spcBef>
-                <a:spcPct val="0"/>
-              </a:spcBef>
-              <a:spcAft>
-                <a:spcPct val="0"/>
-              </a:spcAft>
-              <a:defRPr sz="2400">
-                <a:solidFill>
-                  <a:schemeClr val="tx1"/>
-                </a:solidFill>
-                <a:latin typeface="Arial" charset="0"/>
-                <a:ea typeface="ＭＳ Ｐゴシック" charset="0"/>
-              </a:defRPr>
-            </a:lvl7pPr>
-            <a:lvl8pPr marL="3429000" indent="-228600" eaLnBrk="0" fontAlgn="base" hangingPunct="0">
-              <a:spcBef>
-                <a:spcPct val="0"/>
-              </a:spcBef>
-              <a:spcAft>
-                <a:spcPct val="0"/>
-              </a:spcAft>
-              <a:defRPr sz="2400">
-                <a:solidFill>
-                  <a:schemeClr val="tx1"/>
-                </a:solidFill>
-                <a:latin typeface="Arial" charset="0"/>
-                <a:ea typeface="ＭＳ Ｐゴシック" charset="0"/>
-              </a:defRPr>
-            </a:lvl8pPr>
-            <a:lvl9pPr marL="3886200" indent="-228600" eaLnBrk="0" fontAlgn="base" hangingPunct="0">
-              <a:spcBef>
-                <a:spcPct val="0"/>
-              </a:spcBef>
-              <a:spcAft>
-                <a:spcPct val="0"/>
-              </a:spcAft>
-              <a:defRPr sz="2400">
-                <a:solidFill>
-                  <a:schemeClr val="tx1"/>
-                </a:solidFill>
-                <a:latin typeface="Arial" charset="0"/>
-                <a:ea typeface="ＭＳ Ｐゴシック" charset="0"/>
-              </a:defRPr>
-            </a:lvl9pPr>
-          </a:lstStyle>
-          <a:p>
-            <a:pPr eaLnBrk="1" hangingPunct="1"/>
-            <a:fld id="{EDF075D7-8315-2E4D-8A15-4DF3CB54AC7C}" type="slidenum">
-              <a:rPr lang="en-US" sz="1200">
-                <a:latin typeface="Garamond" charset="0"/>
-              </a:rPr>
-              <a:pPr eaLnBrk="1" hangingPunct="1"/>
-              <a:t>12</a:t>
-            </a:fld>
-            <a:endParaRPr lang="en-US" sz="1200">
-              <a:latin typeface="Garamond" charset="0"/>
-            </a:endParaRPr>
-          </a:p>
-        </p:txBody>
-      </p:sp>
-    </p:spTree>
-    <p:extLst>
-      <p:ext uri="{BB962C8B-B14F-4D97-AF65-F5344CB8AC3E}">
-        <p14:creationId xmlns:p14="http://schemas.microsoft.com/office/powerpoint/2010/main" val="4054695010"/>
-      </p:ext>
-    </p:extLst>
-  </p:cSld>
-  <p:clrMapOvr>
-    <a:masterClrMapping/>
-  </p:clrMapOvr>
-  <p:timing>
-    <p:tnLst>
-      <p:par>
-        <p:cTn xmlns:p14="http://schemas.microsoft.com/office/powerpoint/2010/main" id="1" dur="indefinite" restart="never" nodeType="tmRoot"/>
-      </p:par>
-    </p:tnLst>
-  </p:timing>
-</p:sld>
-</file>
-
-<file path=ppt/slides/slide13.xml><?xml version="1.0" encoding="utf-8"?>
-<p:sld xmlns:a="http://schemas.openxmlformats.org/drawingml/2006/main" xmlns:r="http://schemas.openxmlformats.org/officeDocument/2006/relationships" xmlns:p="http://schemas.openxmlformats.org/presentationml/2006/main">
-  <p:cSld>
-    <p:spTree>
-      <p:nvGrpSpPr>
-        <p:cNvPr id="1" name=""/>
-        <p:cNvGrpSpPr/>
-        <p:nvPr/>
-      </p:nvGrpSpPr>
-      <p:grpSpPr>
-        <a:xfrm>
-          <a:off x="0" y="0"/>
-          <a:ext cx="0" cy="0"/>
-          <a:chOff x="0" y="0"/>
-          <a:chExt cx="0" cy="0"/>
-        </a:xfrm>
-      </p:grpSpPr>
-      <p:sp>
-        <p:nvSpPr>
-          <p:cNvPr id="38913" name="Title 1"/>
-          <p:cNvSpPr>
-            <a:spLocks noGrp="1"/>
-          </p:cNvSpPr>
-          <p:nvPr>
-            <p:ph type="title"/>
-          </p:nvPr>
-        </p:nvSpPr>
-        <p:spPr/>
-        <p:txBody>
-          <a:bodyPr/>
-          <a:lstStyle/>
-          <a:p>
-            <a:r>
-              <a:rPr lang="en-US">
-                <a:latin typeface="Garamond" charset="0"/>
-              </a:rPr>
-              <a:t>Solution</a:t>
-            </a:r>
-          </a:p>
-        </p:txBody>
-      </p:sp>
-      <p:sp>
-        <p:nvSpPr>
-          <p:cNvPr id="3" name="Content Placeholder 2"/>
-          <p:cNvSpPr>
-            <a:spLocks noGrp="1"/>
-          </p:cNvSpPr>
-          <p:nvPr>
-            <p:ph idx="1"/>
-          </p:nvPr>
-        </p:nvSpPr>
-        <p:spPr/>
-        <p:txBody>
-          <a:bodyPr>
-            <a:normAutofit fontScale="62500" lnSpcReduction="20000"/>
-          </a:bodyPr>
-          <a:lstStyle/>
-          <a:p>
-            <a:pPr marL="0" indent="0">
-              <a:buFont typeface="Wingdings" pitchFamily="2" charset="2"/>
-              <a:buNone/>
-              <a:defRPr/>
-            </a:pPr>
-            <a:r>
-              <a:rPr lang="en-US" b="1" dirty="0" smtClean="0">
-                <a:latin typeface="Courier New" pitchFamily="49" charset="0"/>
-                <a:ea typeface="+mn-ea"/>
-                <a:cs typeface="Courier New" pitchFamily="49" charset="0"/>
-              </a:rPr>
-              <a:t>char *</a:t>
-            </a:r>
-            <a:r>
-              <a:rPr lang="en-US" b="1" dirty="0" err="1" smtClean="0">
-                <a:latin typeface="Courier New" pitchFamily="49" charset="0"/>
-                <a:ea typeface="+mn-ea"/>
-                <a:cs typeface="Courier New" pitchFamily="49" charset="0"/>
-              </a:rPr>
-              <a:t>readLine</a:t>
-            </a:r>
-            <a:r>
-              <a:rPr lang="en-US" b="1" dirty="0" smtClean="0">
-                <a:latin typeface="Courier New" pitchFamily="49" charset="0"/>
-                <a:ea typeface="+mn-ea"/>
-                <a:cs typeface="Courier New" pitchFamily="49" charset="0"/>
-              </a:rPr>
-              <a:t>() {</a:t>
-            </a:r>
-          </a:p>
-          <a:p>
-            <a:pPr marL="0" indent="0">
-              <a:buFont typeface="Wingdings" pitchFamily="2" charset="2"/>
-              <a:buNone/>
-              <a:tabLst>
-                <a:tab pos="457200" algn="l"/>
-                <a:tab pos="914400" algn="l"/>
-              </a:tabLst>
-              <a:defRPr/>
-            </a:pPr>
-            <a:r>
-              <a:rPr lang="en-US" b="1" dirty="0" smtClean="0">
-                <a:latin typeface="Courier New" pitchFamily="49" charset="0"/>
-                <a:ea typeface="+mn-ea"/>
-                <a:cs typeface="Courier New" pitchFamily="49" charset="0"/>
-              </a:rPr>
-              <a:t>	char c;			// Input character</a:t>
-            </a:r>
-          </a:p>
-          <a:p>
-            <a:pPr marL="0" indent="0">
-              <a:buFont typeface="Wingdings" pitchFamily="2" charset="2"/>
-              <a:buNone/>
-              <a:tabLst>
-                <a:tab pos="457200" algn="l"/>
-                <a:tab pos="914400" algn="l"/>
-              </a:tabLst>
-              <a:defRPr/>
-            </a:pPr>
-            <a:r>
-              <a:rPr lang="en-US" b="1" dirty="0">
-                <a:latin typeface="Courier New" pitchFamily="49" charset="0"/>
-                <a:ea typeface="+mn-ea"/>
-                <a:cs typeface="Courier New" pitchFamily="49" charset="0"/>
-              </a:rPr>
-              <a:t>	</a:t>
-            </a:r>
-            <a:r>
-              <a:rPr lang="en-US" b="1" dirty="0">
-                <a:latin typeface="Courier New" pitchFamily="49" charset="0"/>
-                <a:cs typeface="Courier New" pitchFamily="49" charset="0"/>
-              </a:rPr>
-              <a:t>// String to hold line</a:t>
-            </a:r>
-          </a:p>
-          <a:p>
-            <a:pPr marL="0" indent="0">
-              <a:buFont typeface="Wingdings" pitchFamily="2" charset="2"/>
-              <a:buNone/>
-              <a:tabLst>
-                <a:tab pos="457200" algn="l"/>
-                <a:tab pos="914400" algn="l"/>
-              </a:tabLst>
-              <a:defRPr/>
-            </a:pPr>
-            <a:r>
-              <a:rPr lang="en-US" b="1" dirty="0">
-                <a:latin typeface="Courier New" pitchFamily="49" charset="0"/>
-                <a:cs typeface="Courier New" pitchFamily="49" charset="0"/>
-              </a:rPr>
-              <a:t>	</a:t>
-            </a:r>
-            <a:r>
-              <a:rPr lang="en-US" b="1" dirty="0" smtClean="0">
-                <a:latin typeface="Courier New" pitchFamily="49" charset="0"/>
-                <a:ea typeface="+mn-ea"/>
-                <a:cs typeface="Courier New" pitchFamily="49" charset="0"/>
-              </a:rPr>
-              <a:t>char *</a:t>
-            </a:r>
-            <a:r>
-              <a:rPr lang="en-US" b="1" dirty="0" err="1" smtClean="0">
-                <a:latin typeface="Courier New" pitchFamily="49" charset="0"/>
-                <a:ea typeface="+mn-ea"/>
-                <a:cs typeface="Courier New" pitchFamily="49" charset="0"/>
-              </a:rPr>
-              <a:t>str</a:t>
-            </a:r>
-            <a:r>
-              <a:rPr lang="en-US" b="1" dirty="0">
-                <a:latin typeface="Courier New" pitchFamily="49" charset="0"/>
-                <a:ea typeface="+mn-ea"/>
-                <a:cs typeface="Courier New" pitchFamily="49" charset="0"/>
-              </a:rPr>
-              <a:t> </a:t>
-            </a:r>
-            <a:r>
-              <a:rPr lang="en-US" b="1" dirty="0" smtClean="0">
-                <a:latin typeface="Courier New" pitchFamily="49" charset="0"/>
-                <a:ea typeface="+mn-ea"/>
-                <a:cs typeface="Courier New" pitchFamily="49" charset="0"/>
-              </a:rPr>
-              <a:t>= (char *)</a:t>
-            </a:r>
-            <a:r>
-              <a:rPr lang="en-US" b="1" dirty="0" err="1" smtClean="0">
-                <a:latin typeface="Courier New" pitchFamily="49" charset="0"/>
-                <a:ea typeface="+mn-ea"/>
-                <a:cs typeface="Courier New" pitchFamily="49" charset="0"/>
-              </a:rPr>
-              <a:t>malloc</a:t>
-            </a:r>
-            <a:r>
-              <a:rPr lang="en-US" b="1" dirty="0" smtClean="0">
-                <a:latin typeface="Courier New" pitchFamily="49" charset="0"/>
-                <a:ea typeface="+mn-ea"/>
-                <a:cs typeface="Courier New" pitchFamily="49" charset="0"/>
-              </a:rPr>
-              <a:t>(1);	</a:t>
-            </a:r>
-          </a:p>
-          <a:p>
-            <a:pPr marL="0" indent="0">
-              <a:buFont typeface="Wingdings" pitchFamily="2" charset="2"/>
-              <a:buNone/>
-              <a:tabLst>
-                <a:tab pos="457200" algn="l"/>
-                <a:tab pos="914400" algn="l"/>
-              </a:tabLst>
-              <a:defRPr/>
-            </a:pPr>
-            <a:r>
-              <a:rPr lang="en-US" b="1" dirty="0">
-                <a:latin typeface="Courier New" pitchFamily="49" charset="0"/>
-                <a:ea typeface="+mn-ea"/>
-                <a:cs typeface="Courier New" pitchFamily="49" charset="0"/>
-              </a:rPr>
-              <a:t>	</a:t>
-            </a:r>
-            <a:r>
-              <a:rPr lang="en-US" b="1" dirty="0" err="1" smtClean="0">
-                <a:latin typeface="Courier New" pitchFamily="49" charset="0"/>
-                <a:ea typeface="+mn-ea"/>
-                <a:cs typeface="Courier New" pitchFamily="49" charset="0"/>
-              </a:rPr>
-              <a:t>int</a:t>
-            </a:r>
-            <a:r>
-              <a:rPr lang="en-US" b="1" dirty="0" smtClean="0">
-                <a:latin typeface="Courier New" pitchFamily="49" charset="0"/>
-                <a:ea typeface="+mn-ea"/>
-                <a:cs typeface="Courier New" pitchFamily="49" charset="0"/>
-              </a:rPr>
-              <a:t> n = 1;		// Length of </a:t>
-            </a:r>
-            <a:r>
-              <a:rPr lang="en-US" b="1" dirty="0" err="1" smtClean="0">
-                <a:latin typeface="Courier New" pitchFamily="49" charset="0"/>
-                <a:ea typeface="+mn-ea"/>
-                <a:cs typeface="Courier New" pitchFamily="49" charset="0"/>
-              </a:rPr>
-              <a:t>str</a:t>
-            </a:r>
-            <a:endParaRPr lang="en-US" b="1" dirty="0" smtClean="0">
-              <a:latin typeface="Courier New" pitchFamily="49" charset="0"/>
-              <a:ea typeface="+mn-ea"/>
-              <a:cs typeface="Courier New" pitchFamily="49" charset="0"/>
-            </a:endParaRPr>
-          </a:p>
-          <a:p>
-            <a:pPr marL="0" indent="0">
-              <a:buFont typeface="Wingdings" pitchFamily="2" charset="2"/>
-              <a:buNone/>
-              <a:tabLst>
-                <a:tab pos="457200" algn="l"/>
-                <a:tab pos="914400" algn="l"/>
-              </a:tabLst>
-              <a:defRPr/>
-            </a:pPr>
-            <a:endParaRPr lang="en-US" b="1" dirty="0">
-              <a:latin typeface="Courier New" pitchFamily="49" charset="0"/>
-              <a:ea typeface="+mn-ea"/>
-              <a:cs typeface="Courier New" pitchFamily="49" charset="0"/>
-            </a:endParaRPr>
-          </a:p>
-          <a:p>
-            <a:pPr marL="0" indent="0">
-              <a:buFont typeface="Wingdings" pitchFamily="2" charset="2"/>
-              <a:buNone/>
-              <a:tabLst>
-                <a:tab pos="457200" algn="l"/>
-                <a:tab pos="914400" algn="l"/>
-              </a:tabLst>
-              <a:defRPr/>
-            </a:pPr>
-            <a:r>
-              <a:rPr lang="en-US" b="1" dirty="0" smtClean="0">
-                <a:latin typeface="Courier New" pitchFamily="49" charset="0"/>
-                <a:ea typeface="+mn-ea"/>
-                <a:cs typeface="Courier New" pitchFamily="49" charset="0"/>
-              </a:rPr>
-              <a:t>	// Repeatedly store character in </a:t>
-            </a:r>
-            <a:r>
-              <a:rPr lang="en-US" b="1" dirty="0" err="1" smtClean="0">
-                <a:latin typeface="Courier New" pitchFamily="49" charset="0"/>
-                <a:ea typeface="+mn-ea"/>
-                <a:cs typeface="Courier New" pitchFamily="49" charset="0"/>
-              </a:rPr>
-              <a:t>str</a:t>
-            </a:r>
-            <a:r>
-              <a:rPr lang="en-US" b="1" dirty="0" smtClean="0">
-                <a:latin typeface="Courier New" pitchFamily="49" charset="0"/>
-                <a:ea typeface="+mn-ea"/>
-                <a:cs typeface="Courier New" pitchFamily="49" charset="0"/>
-              </a:rPr>
-              <a:t> until</a:t>
-            </a:r>
-          </a:p>
-          <a:p>
-            <a:pPr marL="0" indent="0">
-              <a:buFont typeface="Wingdings" pitchFamily="2" charset="2"/>
-              <a:buNone/>
-              <a:tabLst>
-                <a:tab pos="457200" algn="l"/>
-                <a:tab pos="914400" algn="l"/>
-              </a:tabLst>
-              <a:defRPr/>
-            </a:pPr>
-            <a:r>
-              <a:rPr lang="en-US" b="1" dirty="0">
-                <a:latin typeface="Courier New" pitchFamily="49" charset="0"/>
-                <a:ea typeface="+mn-ea"/>
-                <a:cs typeface="Courier New" pitchFamily="49" charset="0"/>
-              </a:rPr>
-              <a:t>	</a:t>
-            </a:r>
-            <a:r>
-              <a:rPr lang="en-US" b="1" dirty="0" smtClean="0">
-                <a:latin typeface="Courier New" pitchFamily="49" charset="0"/>
-                <a:ea typeface="+mn-ea"/>
-                <a:cs typeface="Courier New" pitchFamily="49" charset="0"/>
-              </a:rPr>
-              <a:t>//   '\n' is read; resize </a:t>
-            </a:r>
-            <a:r>
-              <a:rPr lang="en-US" b="1" dirty="0" err="1" smtClean="0">
-                <a:latin typeface="Courier New" pitchFamily="49" charset="0"/>
-                <a:ea typeface="+mn-ea"/>
-                <a:cs typeface="Courier New" pitchFamily="49" charset="0"/>
-              </a:rPr>
-              <a:t>str</a:t>
-            </a:r>
-            <a:r>
-              <a:rPr lang="en-US" b="1" dirty="0" smtClean="0">
-                <a:latin typeface="Courier New" pitchFamily="49" charset="0"/>
-                <a:ea typeface="+mn-ea"/>
-                <a:cs typeface="Courier New" pitchFamily="49" charset="0"/>
-              </a:rPr>
-              <a:t> to hold char</a:t>
-            </a:r>
-          </a:p>
-          <a:p>
-            <a:pPr marL="0" indent="0">
-              <a:buFont typeface="Wingdings" pitchFamily="2" charset="2"/>
-              <a:buNone/>
-              <a:tabLst>
-                <a:tab pos="457200" algn="l"/>
-                <a:tab pos="914400" algn="l"/>
-              </a:tabLst>
-              <a:defRPr/>
-            </a:pPr>
-            <a:r>
-              <a:rPr lang="en-US" b="1" dirty="0">
-                <a:latin typeface="Courier New" pitchFamily="49" charset="0"/>
-                <a:ea typeface="+mn-ea"/>
-                <a:cs typeface="Courier New" pitchFamily="49" charset="0"/>
-              </a:rPr>
-              <a:t>	</a:t>
-            </a:r>
-            <a:r>
-              <a:rPr lang="en-US" b="1" dirty="0" smtClean="0">
-                <a:latin typeface="Courier New" pitchFamily="49" charset="0"/>
-                <a:ea typeface="+mn-ea"/>
-                <a:cs typeface="Courier New" pitchFamily="49" charset="0"/>
-              </a:rPr>
-              <a:t>while ((c = </a:t>
-            </a:r>
-            <a:r>
-              <a:rPr lang="en-US" b="1" dirty="0" err="1" smtClean="0">
-                <a:latin typeface="Courier New" pitchFamily="49" charset="0"/>
-                <a:ea typeface="+mn-ea"/>
-                <a:cs typeface="Courier New" pitchFamily="49" charset="0"/>
-              </a:rPr>
-              <a:t>getchar</a:t>
-            </a:r>
-            <a:r>
-              <a:rPr lang="en-US" b="1" dirty="0" smtClean="0">
-                <a:latin typeface="Courier New" pitchFamily="49" charset="0"/>
-                <a:ea typeface="+mn-ea"/>
-                <a:cs typeface="Courier New" pitchFamily="49" charset="0"/>
-              </a:rPr>
-              <a:t>()) != '\n') {</a:t>
-            </a:r>
-          </a:p>
-          <a:p>
-            <a:pPr marL="0" indent="0">
-              <a:buFont typeface="Wingdings" pitchFamily="2" charset="2"/>
-              <a:buNone/>
-              <a:tabLst>
-                <a:tab pos="457200" algn="l"/>
-                <a:tab pos="914400" algn="l"/>
-              </a:tabLst>
-              <a:defRPr/>
-            </a:pPr>
-            <a:r>
-              <a:rPr lang="en-US" b="1" dirty="0" smtClean="0">
-                <a:latin typeface="Courier New" pitchFamily="49" charset="0"/>
-                <a:ea typeface="+mn-ea"/>
-                <a:cs typeface="Courier New" pitchFamily="49" charset="0"/>
-              </a:rPr>
-              <a:t>		</a:t>
-            </a:r>
-            <a:r>
-              <a:rPr lang="en-US" b="1" dirty="0" err="1" smtClean="0">
-                <a:latin typeface="Courier New" pitchFamily="49" charset="0"/>
-                <a:ea typeface="+mn-ea"/>
-                <a:cs typeface="Courier New" pitchFamily="49" charset="0"/>
-              </a:rPr>
-              <a:t>str</a:t>
-            </a:r>
-            <a:r>
-              <a:rPr lang="en-US" b="1" dirty="0" smtClean="0">
-                <a:latin typeface="Courier New" pitchFamily="49" charset="0"/>
-                <a:ea typeface="+mn-ea"/>
-                <a:cs typeface="Courier New" pitchFamily="49" charset="0"/>
-              </a:rPr>
-              <a:t> = (char *)</a:t>
-            </a:r>
-            <a:r>
-              <a:rPr lang="en-US" b="1" dirty="0" err="1" smtClean="0">
-                <a:latin typeface="Courier New" pitchFamily="49" charset="0"/>
-                <a:ea typeface="+mn-ea"/>
-                <a:cs typeface="Courier New" pitchFamily="49" charset="0"/>
-              </a:rPr>
-              <a:t>realloc</a:t>
-            </a:r>
-            <a:r>
-              <a:rPr lang="en-US" b="1" dirty="0" smtClean="0">
-                <a:latin typeface="Courier New" pitchFamily="49" charset="0"/>
-                <a:ea typeface="+mn-ea"/>
-                <a:cs typeface="Courier New" pitchFamily="49" charset="0"/>
-              </a:rPr>
-              <a:t>(</a:t>
-            </a:r>
-            <a:r>
-              <a:rPr lang="en-US" b="1" dirty="0" err="1" smtClean="0">
-                <a:latin typeface="Courier New" pitchFamily="49" charset="0"/>
-                <a:ea typeface="+mn-ea"/>
-                <a:cs typeface="Courier New" pitchFamily="49" charset="0"/>
-              </a:rPr>
-              <a:t>str</a:t>
-            </a:r>
-            <a:r>
-              <a:rPr lang="en-US" b="1" dirty="0" smtClean="0">
-                <a:latin typeface="Courier New" pitchFamily="49" charset="0"/>
-                <a:ea typeface="+mn-ea"/>
-                <a:cs typeface="Courier New" pitchFamily="49" charset="0"/>
-              </a:rPr>
-              <a:t>, n+1);</a:t>
-            </a:r>
-          </a:p>
-          <a:p>
-            <a:pPr marL="0" indent="0">
-              <a:buFont typeface="Wingdings" pitchFamily="2" charset="2"/>
-              <a:buNone/>
-              <a:tabLst>
-                <a:tab pos="457200" algn="l"/>
-                <a:tab pos="914400" algn="l"/>
-              </a:tabLst>
-              <a:defRPr/>
-            </a:pPr>
-            <a:r>
-              <a:rPr lang="en-US" b="1" dirty="0">
-                <a:latin typeface="Courier New" pitchFamily="49" charset="0"/>
-                <a:ea typeface="+mn-ea"/>
-                <a:cs typeface="Courier New" pitchFamily="49" charset="0"/>
-              </a:rPr>
-              <a:t>	</a:t>
-            </a:r>
-            <a:r>
-              <a:rPr lang="en-US" b="1" dirty="0" smtClean="0">
-                <a:latin typeface="Courier New" pitchFamily="49" charset="0"/>
-                <a:ea typeface="+mn-ea"/>
-                <a:cs typeface="Courier New" pitchFamily="49" charset="0"/>
-              </a:rPr>
-              <a:t>	</a:t>
-            </a:r>
-            <a:r>
-              <a:rPr lang="en-US" b="1" dirty="0" err="1" smtClean="0">
-                <a:latin typeface="Courier New" pitchFamily="49" charset="0"/>
-                <a:ea typeface="+mn-ea"/>
-                <a:cs typeface="Courier New" pitchFamily="49" charset="0"/>
-              </a:rPr>
-              <a:t>str</a:t>
-            </a:r>
-            <a:r>
-              <a:rPr lang="en-US" b="1" dirty="0" smtClean="0">
-                <a:latin typeface="Courier New" pitchFamily="49" charset="0"/>
-                <a:ea typeface="+mn-ea"/>
-                <a:cs typeface="Courier New" pitchFamily="49" charset="0"/>
-              </a:rPr>
-              <a:t>[n-1] = c;</a:t>
-            </a:r>
-          </a:p>
-          <a:p>
-            <a:pPr marL="0" indent="0">
-              <a:buFont typeface="Wingdings" pitchFamily="2" charset="2"/>
-              <a:buNone/>
-              <a:tabLst>
-                <a:tab pos="457200" algn="l"/>
-                <a:tab pos="914400" algn="l"/>
-              </a:tabLst>
-              <a:defRPr/>
-            </a:pPr>
-            <a:r>
-              <a:rPr lang="en-US" b="1" dirty="0">
-                <a:latin typeface="Courier New" pitchFamily="49" charset="0"/>
-                <a:ea typeface="+mn-ea"/>
-                <a:cs typeface="Courier New" pitchFamily="49" charset="0"/>
-              </a:rPr>
-              <a:t>	</a:t>
-            </a:r>
-            <a:r>
-              <a:rPr lang="en-US" b="1" dirty="0" smtClean="0">
-                <a:latin typeface="Courier New" pitchFamily="49" charset="0"/>
-                <a:ea typeface="+mn-ea"/>
-                <a:cs typeface="Courier New" pitchFamily="49" charset="0"/>
-              </a:rPr>
-              <a:t>	n++;</a:t>
-            </a:r>
-          </a:p>
-          <a:p>
-            <a:pPr marL="0" indent="0">
-              <a:buFont typeface="Wingdings" pitchFamily="2" charset="2"/>
-              <a:buNone/>
-              <a:tabLst>
-                <a:tab pos="457200" algn="l"/>
-                <a:tab pos="914400" algn="l"/>
-              </a:tabLst>
-              <a:defRPr/>
-            </a:pPr>
-            <a:r>
-              <a:rPr lang="en-US" b="1" dirty="0">
-                <a:latin typeface="Courier New" pitchFamily="49" charset="0"/>
-                <a:ea typeface="+mn-ea"/>
-                <a:cs typeface="Courier New" pitchFamily="49" charset="0"/>
-              </a:rPr>
-              <a:t>	</a:t>
-            </a:r>
-            <a:r>
-              <a:rPr lang="en-US" b="1" dirty="0" smtClean="0">
-                <a:latin typeface="Courier New" pitchFamily="49" charset="0"/>
-                <a:ea typeface="+mn-ea"/>
-                <a:cs typeface="Courier New" pitchFamily="49" charset="0"/>
-              </a:rPr>
-              <a:t>}</a:t>
-            </a:r>
-          </a:p>
-          <a:p>
-            <a:pPr marL="0" indent="0">
-              <a:buFont typeface="Wingdings" pitchFamily="2" charset="2"/>
-              <a:buNone/>
-              <a:tabLst>
-                <a:tab pos="457200" algn="l"/>
-                <a:tab pos="914400" algn="l"/>
-              </a:tabLst>
-              <a:defRPr/>
-            </a:pPr>
-            <a:r>
-              <a:rPr lang="en-US" b="1" dirty="0">
-                <a:latin typeface="Courier New" pitchFamily="49" charset="0"/>
-                <a:ea typeface="+mn-ea"/>
-                <a:cs typeface="Courier New" pitchFamily="49" charset="0"/>
-              </a:rPr>
-              <a:t>	</a:t>
-            </a:r>
-            <a:r>
-              <a:rPr lang="en-US" b="1" dirty="0" err="1" smtClean="0">
-                <a:latin typeface="Courier New" pitchFamily="49" charset="0"/>
-                <a:ea typeface="+mn-ea"/>
-                <a:cs typeface="Courier New" pitchFamily="49" charset="0"/>
-              </a:rPr>
-              <a:t>str</a:t>
-            </a:r>
-            <a:r>
-              <a:rPr lang="en-US" b="1" dirty="0" smtClean="0">
-                <a:latin typeface="Courier New" pitchFamily="49" charset="0"/>
-                <a:ea typeface="+mn-ea"/>
-                <a:cs typeface="Courier New" pitchFamily="49" charset="0"/>
-              </a:rPr>
-              <a:t>[n-1] = '\0';	// Null terminator</a:t>
-            </a:r>
-          </a:p>
-          <a:p>
-            <a:pPr marL="0" indent="0">
-              <a:buFont typeface="Wingdings" pitchFamily="2" charset="2"/>
-              <a:buNone/>
-              <a:tabLst>
-                <a:tab pos="457200" algn="l"/>
-                <a:tab pos="914400" algn="l"/>
-              </a:tabLst>
-              <a:defRPr/>
-            </a:pPr>
-            <a:r>
-              <a:rPr lang="en-US" b="1" dirty="0">
-                <a:latin typeface="Courier New" pitchFamily="49" charset="0"/>
-                <a:ea typeface="+mn-ea"/>
-                <a:cs typeface="Courier New" pitchFamily="49" charset="0"/>
-              </a:rPr>
-              <a:t>	</a:t>
-            </a:r>
-            <a:r>
-              <a:rPr lang="en-US" b="1" dirty="0" smtClean="0">
-                <a:latin typeface="Courier New" pitchFamily="49" charset="0"/>
-                <a:ea typeface="+mn-ea"/>
-                <a:cs typeface="Courier New" pitchFamily="49" charset="0"/>
-              </a:rPr>
-              <a:t>return </a:t>
-            </a:r>
-            <a:r>
-              <a:rPr lang="en-US" b="1" dirty="0" err="1" smtClean="0">
-                <a:latin typeface="Courier New" pitchFamily="49" charset="0"/>
-                <a:ea typeface="+mn-ea"/>
-                <a:cs typeface="Courier New" pitchFamily="49" charset="0"/>
-              </a:rPr>
-              <a:t>str</a:t>
-            </a:r>
-            <a:r>
-              <a:rPr lang="en-US" b="1" dirty="0" smtClean="0">
-                <a:latin typeface="Courier New" pitchFamily="49" charset="0"/>
-                <a:ea typeface="+mn-ea"/>
-                <a:cs typeface="Courier New" pitchFamily="49" charset="0"/>
-              </a:rPr>
-              <a:t>;</a:t>
-            </a:r>
-          </a:p>
-          <a:p>
-            <a:pPr marL="0" indent="0">
-              <a:buFont typeface="Wingdings" pitchFamily="2" charset="2"/>
-              <a:buNone/>
-              <a:defRPr/>
-            </a:pPr>
-            <a:r>
-              <a:rPr lang="en-US" b="1" dirty="0">
-                <a:latin typeface="Courier New" pitchFamily="49" charset="0"/>
-                <a:ea typeface="+mn-ea"/>
-                <a:cs typeface="Courier New" pitchFamily="49" charset="0"/>
-              </a:rPr>
-              <a:t>}</a:t>
-            </a:r>
-            <a:endParaRPr lang="en-US" b="1" dirty="0">
-              <a:ea typeface="+mn-ea"/>
-              <a:cs typeface="+mn-cs"/>
-            </a:endParaRPr>
-          </a:p>
-        </p:txBody>
-      </p:sp>
-      <p:sp>
-        <p:nvSpPr>
-          <p:cNvPr id="38915" name="Date Placeholder 3"/>
-          <p:cNvSpPr>
-            <a:spLocks noGrp="1"/>
-          </p:cNvSpPr>
-          <p:nvPr>
-            <p:ph type="dt" sz="quarter" idx="10"/>
-          </p:nvPr>
-        </p:nvSpPr>
-        <p:spPr>
-          <a:noFill/>
-          <a:ln/>
-          <a:extLst>
-            <a:ext uri="{909E8E84-426E-40dd-AFC4-6F175D3DCCD1}">
-              <a14:hiddenFill xmlns:a14="http://schemas.microsoft.com/office/drawing/2010/main">
-                <a:solidFill>
-                  <a:srgbClr val="FFFFFF"/>
-                </a:solidFill>
-              </a14:hiddenFill>
-            </a:ext>
-            <a:ext uri="{91240B29-F687-4f45-9708-019B960494DF}">
-              <a14:hiddenLine xmlns:a14="http://schemas.microsoft.com/office/drawing/2010/main" w="9525">
-                <a:solidFill>
-                  <a:srgbClr val="000000"/>
-                </a:solidFill>
-                <a:miter lim="800000"/>
-                <a:headEnd/>
-                <a:tailEnd/>
-              </a14:hiddenLine>
-            </a:ext>
-          </a:extLst>
-        </p:spPr>
-        <p:txBody>
-          <a:bodyPr/>
-          <a:lstStyle>
-            <a:lvl1pPr eaLnBrk="0" hangingPunct="0">
-              <a:defRPr sz="2400">
-                <a:solidFill>
-                  <a:schemeClr val="tx1"/>
-                </a:solidFill>
-                <a:latin typeface="Arial" charset="0"/>
-                <a:ea typeface="ＭＳ Ｐゴシック" charset="0"/>
-                <a:cs typeface="ＭＳ Ｐゴシック" charset="0"/>
-              </a:defRPr>
-            </a:lvl1pPr>
-            <a:lvl2pPr marL="742950" indent="-285750" eaLnBrk="0" hangingPunct="0">
-              <a:defRPr sz="2400">
-                <a:solidFill>
-                  <a:schemeClr val="tx1"/>
-                </a:solidFill>
-                <a:latin typeface="Arial" charset="0"/>
-                <a:ea typeface="ＭＳ Ｐゴシック" charset="0"/>
-              </a:defRPr>
-            </a:lvl2pPr>
-            <a:lvl3pPr marL="1143000" indent="-228600" eaLnBrk="0" hangingPunct="0">
-              <a:defRPr sz="2400">
-                <a:solidFill>
-                  <a:schemeClr val="tx1"/>
-                </a:solidFill>
-                <a:latin typeface="Arial" charset="0"/>
-                <a:ea typeface="ＭＳ Ｐゴシック" charset="0"/>
-              </a:defRPr>
-            </a:lvl3pPr>
-            <a:lvl4pPr marL="1600200" indent="-228600" eaLnBrk="0" hangingPunct="0">
-              <a:defRPr sz="2400">
-                <a:solidFill>
-                  <a:schemeClr val="tx1"/>
-                </a:solidFill>
-                <a:latin typeface="Arial" charset="0"/>
-                <a:ea typeface="ＭＳ Ｐゴシック" charset="0"/>
-              </a:defRPr>
-            </a:lvl4pPr>
-            <a:lvl5pPr marL="2057400" indent="-228600" eaLnBrk="0" hangingPunct="0">
-              <a:defRPr sz="2400">
-                <a:solidFill>
-                  <a:schemeClr val="tx1"/>
-                </a:solidFill>
-                <a:latin typeface="Arial" charset="0"/>
-                <a:ea typeface="ＭＳ Ｐゴシック" charset="0"/>
-              </a:defRPr>
-            </a:lvl5pPr>
-            <a:lvl6pPr marL="2514600" indent="-228600" eaLnBrk="0" fontAlgn="base" hangingPunct="0">
-              <a:spcBef>
-                <a:spcPct val="0"/>
-              </a:spcBef>
-              <a:spcAft>
-                <a:spcPct val="0"/>
-              </a:spcAft>
-              <a:defRPr sz="2400">
-                <a:solidFill>
-                  <a:schemeClr val="tx1"/>
-                </a:solidFill>
-                <a:latin typeface="Arial" charset="0"/>
-                <a:ea typeface="ＭＳ Ｐゴシック" charset="0"/>
-              </a:defRPr>
-            </a:lvl6pPr>
-            <a:lvl7pPr marL="2971800" indent="-228600" eaLnBrk="0" fontAlgn="base" hangingPunct="0">
-              <a:spcBef>
-                <a:spcPct val="0"/>
-              </a:spcBef>
-              <a:spcAft>
-                <a:spcPct val="0"/>
-              </a:spcAft>
-              <a:defRPr sz="2400">
-                <a:solidFill>
-                  <a:schemeClr val="tx1"/>
-                </a:solidFill>
-                <a:latin typeface="Arial" charset="0"/>
-                <a:ea typeface="ＭＳ Ｐゴシック" charset="0"/>
-              </a:defRPr>
-            </a:lvl7pPr>
-            <a:lvl8pPr marL="3429000" indent="-228600" eaLnBrk="0" fontAlgn="base" hangingPunct="0">
-              <a:spcBef>
-                <a:spcPct val="0"/>
-              </a:spcBef>
-              <a:spcAft>
-                <a:spcPct val="0"/>
-              </a:spcAft>
-              <a:defRPr sz="2400">
-                <a:solidFill>
-                  <a:schemeClr val="tx1"/>
-                </a:solidFill>
-                <a:latin typeface="Arial" charset="0"/>
-                <a:ea typeface="ＭＳ Ｐゴシック" charset="0"/>
-              </a:defRPr>
-            </a:lvl8pPr>
-            <a:lvl9pPr marL="3886200" indent="-228600" eaLnBrk="0" fontAlgn="base" hangingPunct="0">
-              <a:spcBef>
-                <a:spcPct val="0"/>
-              </a:spcBef>
-              <a:spcAft>
-                <a:spcPct val="0"/>
-              </a:spcAft>
-              <a:defRPr sz="2400">
-                <a:solidFill>
-                  <a:schemeClr val="tx1"/>
-                </a:solidFill>
-                <a:latin typeface="Arial" charset="0"/>
-                <a:ea typeface="ＭＳ Ｐゴシック" charset="0"/>
-              </a:defRPr>
-            </a:lvl9pPr>
-          </a:lstStyle>
-          <a:p>
-            <a:pPr eaLnBrk="1" hangingPunct="1"/>
-            <a:fld id="{7DDA56D5-9FC6-214F-87AF-5A8C83A08F11}" type="datetime1">
-              <a:rPr lang="en-US" sz="1200" smtClean="0">
-                <a:latin typeface="Garamond" charset="0"/>
-              </a:rPr>
-              <a:t>4/12/16</a:t>
-            </a:fld>
-            <a:endParaRPr lang="en-US" sz="1200">
-              <a:latin typeface="Garamond" charset="0"/>
-            </a:endParaRPr>
-          </a:p>
-        </p:txBody>
-      </p:sp>
-      <p:sp>
-        <p:nvSpPr>
-          <p:cNvPr id="5" name="Footer Placeholder 4"/>
-          <p:cNvSpPr>
-            <a:spLocks noGrp="1"/>
-          </p:cNvSpPr>
-          <p:nvPr>
-            <p:ph type="ftr" sz="quarter" idx="11"/>
-          </p:nvPr>
-        </p:nvSpPr>
-        <p:spPr/>
-        <p:txBody>
-          <a:bodyPr/>
-          <a:lstStyle/>
-          <a:p>
-            <a:pPr>
-              <a:defRPr/>
-            </a:pPr>
-            <a:r>
-              <a:rPr lang="en-US" altLang="en-US" smtClean="0"/>
-              <a:t>ECE Application Programming: Lecture 29</a:t>
-            </a:r>
-            <a:endParaRPr lang="en-US" altLang="en-US"/>
-          </a:p>
-        </p:txBody>
-      </p:sp>
-      <p:sp>
-        <p:nvSpPr>
-          <p:cNvPr id="38917" name="Slide Number Placeholder 5"/>
-          <p:cNvSpPr>
-            <a:spLocks noGrp="1"/>
-          </p:cNvSpPr>
-          <p:nvPr>
-            <p:ph type="sldNum" sz="quarter" idx="12"/>
-          </p:nvPr>
-        </p:nvSpPr>
-        <p:spPr>
-          <a:noFill/>
-          <a:ln/>
-          <a:extLst>
-            <a:ext uri="{909E8E84-426E-40dd-AFC4-6F175D3DCCD1}">
-              <a14:hiddenFill xmlns:a14="http://schemas.microsoft.com/office/drawing/2010/main">
-                <a:solidFill>
-                  <a:srgbClr val="FFFFFF"/>
-                </a:solidFill>
-              </a14:hiddenFill>
-            </a:ext>
-            <a:ext uri="{91240B29-F687-4f45-9708-019B960494DF}">
-              <a14:hiddenLine xmlns:a14="http://schemas.microsoft.com/office/drawing/2010/main" w="9525">
-                <a:solidFill>
-                  <a:srgbClr val="000000"/>
-                </a:solidFill>
-                <a:miter lim="800000"/>
-                <a:headEnd/>
-                <a:tailEnd/>
-              </a14:hiddenLine>
-            </a:ext>
-          </a:extLst>
-        </p:spPr>
-        <p:txBody>
-          <a:bodyPr/>
-          <a:lstStyle>
-            <a:lvl1pPr eaLnBrk="0" hangingPunct="0">
-              <a:defRPr sz="2400">
-                <a:solidFill>
-                  <a:schemeClr val="tx1"/>
-                </a:solidFill>
-                <a:latin typeface="Arial" charset="0"/>
-                <a:ea typeface="ＭＳ Ｐゴシック" charset="0"/>
-                <a:cs typeface="ＭＳ Ｐゴシック" charset="0"/>
-              </a:defRPr>
-            </a:lvl1pPr>
-            <a:lvl2pPr marL="742950" indent="-285750" eaLnBrk="0" hangingPunct="0">
-              <a:defRPr sz="2400">
-                <a:solidFill>
-                  <a:schemeClr val="tx1"/>
-                </a:solidFill>
-                <a:latin typeface="Arial" charset="0"/>
-                <a:ea typeface="ＭＳ Ｐゴシック" charset="0"/>
-              </a:defRPr>
-            </a:lvl2pPr>
-            <a:lvl3pPr marL="1143000" indent="-228600" eaLnBrk="0" hangingPunct="0">
-              <a:defRPr sz="2400">
-                <a:solidFill>
-                  <a:schemeClr val="tx1"/>
-                </a:solidFill>
-                <a:latin typeface="Arial" charset="0"/>
-                <a:ea typeface="ＭＳ Ｐゴシック" charset="0"/>
-              </a:defRPr>
-            </a:lvl3pPr>
-            <a:lvl4pPr marL="1600200" indent="-228600" eaLnBrk="0" hangingPunct="0">
-              <a:defRPr sz="2400">
-                <a:solidFill>
-                  <a:schemeClr val="tx1"/>
-                </a:solidFill>
-                <a:latin typeface="Arial" charset="0"/>
-                <a:ea typeface="ＭＳ Ｐゴシック" charset="0"/>
-              </a:defRPr>
-            </a:lvl4pPr>
-            <a:lvl5pPr marL="2057400" indent="-228600" eaLnBrk="0" hangingPunct="0">
-              <a:defRPr sz="2400">
-                <a:solidFill>
-                  <a:schemeClr val="tx1"/>
-                </a:solidFill>
-                <a:latin typeface="Arial" charset="0"/>
-                <a:ea typeface="ＭＳ Ｐゴシック" charset="0"/>
-              </a:defRPr>
-            </a:lvl5pPr>
-            <a:lvl6pPr marL="2514600" indent="-228600" eaLnBrk="0" fontAlgn="base" hangingPunct="0">
-              <a:spcBef>
-                <a:spcPct val="0"/>
-              </a:spcBef>
-              <a:spcAft>
-                <a:spcPct val="0"/>
-              </a:spcAft>
-              <a:defRPr sz="2400">
-                <a:solidFill>
-                  <a:schemeClr val="tx1"/>
-                </a:solidFill>
-                <a:latin typeface="Arial" charset="0"/>
-                <a:ea typeface="ＭＳ Ｐゴシック" charset="0"/>
-              </a:defRPr>
-            </a:lvl6pPr>
-            <a:lvl7pPr marL="2971800" indent="-228600" eaLnBrk="0" fontAlgn="base" hangingPunct="0">
-              <a:spcBef>
-                <a:spcPct val="0"/>
-              </a:spcBef>
-              <a:spcAft>
-                <a:spcPct val="0"/>
-              </a:spcAft>
-              <a:defRPr sz="2400">
-                <a:solidFill>
-                  <a:schemeClr val="tx1"/>
-                </a:solidFill>
-                <a:latin typeface="Arial" charset="0"/>
-                <a:ea typeface="ＭＳ Ｐゴシック" charset="0"/>
-              </a:defRPr>
-            </a:lvl7pPr>
-            <a:lvl8pPr marL="3429000" indent="-228600" eaLnBrk="0" fontAlgn="base" hangingPunct="0">
-              <a:spcBef>
-                <a:spcPct val="0"/>
-              </a:spcBef>
-              <a:spcAft>
-                <a:spcPct val="0"/>
-              </a:spcAft>
-              <a:defRPr sz="2400">
-                <a:solidFill>
-                  <a:schemeClr val="tx1"/>
-                </a:solidFill>
-                <a:latin typeface="Arial" charset="0"/>
-                <a:ea typeface="ＭＳ Ｐゴシック" charset="0"/>
-              </a:defRPr>
-            </a:lvl8pPr>
-            <a:lvl9pPr marL="3886200" indent="-228600" eaLnBrk="0" fontAlgn="base" hangingPunct="0">
-              <a:spcBef>
-                <a:spcPct val="0"/>
-              </a:spcBef>
-              <a:spcAft>
-                <a:spcPct val="0"/>
-              </a:spcAft>
-              <a:defRPr sz="2400">
-                <a:solidFill>
-                  <a:schemeClr val="tx1"/>
-                </a:solidFill>
-                <a:latin typeface="Arial" charset="0"/>
-                <a:ea typeface="ＭＳ Ｐゴシック" charset="0"/>
-              </a:defRPr>
-            </a:lvl9pPr>
-          </a:lstStyle>
-          <a:p>
-            <a:pPr eaLnBrk="1" hangingPunct="1"/>
-            <a:fld id="{2431B740-CBD9-464C-803D-0FCCBA5590EB}" type="slidenum">
-              <a:rPr lang="en-US" sz="1200">
-                <a:latin typeface="Garamond" charset="0"/>
-              </a:rPr>
-              <a:pPr eaLnBrk="1" hangingPunct="1"/>
-              <a:t>13</a:t>
-            </a:fld>
-            <a:endParaRPr lang="en-US" sz="1200">
-              <a:latin typeface="Garamond" charset="0"/>
-            </a:endParaRPr>
-          </a:p>
-        </p:txBody>
-      </p:sp>
-    </p:spTree>
-    <p:extLst>
-      <p:ext uri="{BB962C8B-B14F-4D97-AF65-F5344CB8AC3E}">
-        <p14:creationId xmlns:p14="http://schemas.microsoft.com/office/powerpoint/2010/main" val="3832932960"/>
-      </p:ext>
-    </p:extLst>
-  </p:cSld>
-  <p:clrMapOvr>
-    <a:masterClrMapping/>
-  </p:clrMapOvr>
-  <p:timing>
-    <p:tnLst>
-      <p:par>
-        <p:cTn xmlns:p14="http://schemas.microsoft.com/office/powerpoint/2010/main" id="1" dur="indefinite" restart="never" nodeType="tmRoot"/>
-      </p:par>
-    </p:tnLst>
-  </p:timing>
-</p:sld>
-</file>
-
-<file path=ppt/slides/slide14.xml><?xml version="1.0" encoding="utf-8"?>
-<p:sld xmlns:a="http://schemas.openxmlformats.org/drawingml/2006/main" xmlns:r="http://schemas.openxmlformats.org/officeDocument/2006/relationships" xmlns:p="http://schemas.openxmlformats.org/presentationml/2006/main">
-  <p:cSld>
-    <p:spTree>
-      <p:nvGrpSpPr>
-        <p:cNvPr id="1" name=""/>
-        <p:cNvGrpSpPr/>
-        <p:nvPr/>
-      </p:nvGrpSpPr>
-      <p:grpSpPr>
-        <a:xfrm>
-          <a:off x="0" y="0"/>
-          <a:ext cx="0" cy="0"/>
-          <a:chOff x="0" y="0"/>
-          <a:chExt cx="0" cy="0"/>
-        </a:xfrm>
-      </p:grpSpPr>
-      <p:sp>
-        <p:nvSpPr>
-          <p:cNvPr id="39937" name="Title 1"/>
-          <p:cNvSpPr>
-            <a:spLocks noGrp="1"/>
-          </p:cNvSpPr>
-          <p:nvPr>
-            <p:ph type="title"/>
-          </p:nvPr>
-        </p:nvSpPr>
-        <p:spPr/>
-        <p:txBody>
-          <a:bodyPr/>
-          <a:lstStyle/>
-          <a:p>
-            <a:r>
-              <a:rPr lang="en-US">
-                <a:latin typeface="Garamond" charset="0"/>
-              </a:rPr>
-              <a:t>Solution (continued)</a:t>
-            </a:r>
-          </a:p>
-        </p:txBody>
-      </p:sp>
-      <p:sp>
-        <p:nvSpPr>
-          <p:cNvPr id="3" name="Content Placeholder 2"/>
-          <p:cNvSpPr>
-            <a:spLocks noGrp="1"/>
-          </p:cNvSpPr>
-          <p:nvPr>
-            <p:ph idx="1"/>
-          </p:nvPr>
-        </p:nvSpPr>
-        <p:spPr/>
-        <p:txBody>
-          <a:bodyPr>
-            <a:normAutofit fontScale="55000" lnSpcReduction="20000"/>
-          </a:bodyPr>
-          <a:lstStyle/>
-          <a:p>
-            <a:pPr marL="0" indent="0">
-              <a:buFont typeface="Wingdings" pitchFamily="2" charset="2"/>
-              <a:buNone/>
-              <a:defRPr/>
-            </a:pPr>
-            <a:r>
-              <a:rPr lang="en-US" b="1" dirty="0" err="1" smtClean="0">
-                <a:latin typeface="Courier New" pitchFamily="49" charset="0"/>
-                <a:ea typeface="+mn-ea"/>
-                <a:cs typeface="Courier New" pitchFamily="49" charset="0"/>
-              </a:rPr>
-              <a:t>int</a:t>
-            </a:r>
-            <a:r>
-              <a:rPr lang="en-US" b="1" dirty="0" smtClean="0">
-                <a:latin typeface="Courier New" pitchFamily="49" charset="0"/>
-                <a:ea typeface="+mn-ea"/>
-                <a:cs typeface="Courier New" pitchFamily="49" charset="0"/>
-              </a:rPr>
-              <a:t> **make2DArray(</a:t>
-            </a:r>
-            <a:r>
-              <a:rPr lang="en-US" b="1" dirty="0" err="1" smtClean="0">
-                <a:latin typeface="Courier New" pitchFamily="49" charset="0"/>
-                <a:ea typeface="+mn-ea"/>
-                <a:cs typeface="Courier New" pitchFamily="49" charset="0"/>
-              </a:rPr>
-              <a:t>int</a:t>
-            </a:r>
-            <a:r>
-              <a:rPr lang="en-US" b="1" dirty="0" smtClean="0">
-                <a:latin typeface="Courier New" pitchFamily="49" charset="0"/>
-                <a:ea typeface="+mn-ea"/>
-                <a:cs typeface="Courier New" pitchFamily="49" charset="0"/>
-              </a:rPr>
-              <a:t> total, </a:t>
-            </a:r>
-            <a:r>
-              <a:rPr lang="en-US" b="1" dirty="0" err="1" smtClean="0">
-                <a:latin typeface="Courier New" pitchFamily="49" charset="0"/>
-                <a:ea typeface="+mn-ea"/>
-                <a:cs typeface="Courier New" pitchFamily="49" charset="0"/>
-              </a:rPr>
-              <a:t>int</a:t>
-            </a:r>
-            <a:r>
-              <a:rPr lang="en-US" b="1" dirty="0" smtClean="0">
-                <a:latin typeface="Courier New" pitchFamily="49" charset="0"/>
-                <a:ea typeface="+mn-ea"/>
-                <a:cs typeface="Courier New" pitchFamily="49" charset="0"/>
-              </a:rPr>
-              <a:t> </a:t>
-            </a:r>
-            <a:r>
-              <a:rPr lang="en-US" b="1" dirty="0" err="1" smtClean="0">
-                <a:latin typeface="Courier New" pitchFamily="49" charset="0"/>
-                <a:ea typeface="+mn-ea"/>
-                <a:cs typeface="Courier New" pitchFamily="49" charset="0"/>
-              </a:rPr>
-              <a:t>nR</a:t>
-            </a:r>
-            <a:r>
-              <a:rPr lang="en-US" b="1" dirty="0" smtClean="0">
-                <a:latin typeface="Courier New" pitchFamily="49" charset="0"/>
-                <a:ea typeface="+mn-ea"/>
-                <a:cs typeface="Courier New" pitchFamily="49" charset="0"/>
-              </a:rPr>
-              <a:t>) {</a:t>
-            </a:r>
-          </a:p>
-          <a:p>
-            <a:pPr marL="0" indent="0">
-              <a:buFont typeface="Wingdings" pitchFamily="2" charset="2"/>
-              <a:buNone/>
-              <a:tabLst>
-                <a:tab pos="457200" algn="l"/>
-                <a:tab pos="914400" algn="l"/>
-              </a:tabLst>
-              <a:defRPr/>
-            </a:pPr>
-            <a:r>
-              <a:rPr lang="en-US" b="1" dirty="0" smtClean="0">
-                <a:latin typeface="Courier New" pitchFamily="49" charset="0"/>
-                <a:ea typeface="+mn-ea"/>
-                <a:cs typeface="Courier New" pitchFamily="49" charset="0"/>
-              </a:rPr>
-              <a:t>	</a:t>
-            </a:r>
-            <a:r>
-              <a:rPr lang="en-US" b="1" dirty="0" err="1" smtClean="0">
-                <a:latin typeface="Courier New" pitchFamily="49" charset="0"/>
-                <a:ea typeface="+mn-ea"/>
-                <a:cs typeface="Courier New" pitchFamily="49" charset="0"/>
-              </a:rPr>
-              <a:t>int</a:t>
-            </a:r>
-            <a:r>
-              <a:rPr lang="en-US" b="1" dirty="0" smtClean="0">
-                <a:latin typeface="Courier New" pitchFamily="49" charset="0"/>
-                <a:ea typeface="+mn-ea"/>
-                <a:cs typeface="Courier New" pitchFamily="49" charset="0"/>
-              </a:rPr>
-              <a:t> **</a:t>
-            </a:r>
-            <a:r>
-              <a:rPr lang="en-US" b="1" dirty="0" err="1" smtClean="0">
-                <a:latin typeface="Courier New" pitchFamily="49" charset="0"/>
-                <a:ea typeface="+mn-ea"/>
-                <a:cs typeface="Courier New" pitchFamily="49" charset="0"/>
-              </a:rPr>
-              <a:t>arr</a:t>
-            </a:r>
-            <a:r>
-              <a:rPr lang="en-US" b="1" dirty="0" smtClean="0">
-                <a:latin typeface="Courier New" pitchFamily="49" charset="0"/>
-                <a:ea typeface="+mn-ea"/>
-                <a:cs typeface="Courier New" pitchFamily="49" charset="0"/>
-              </a:rPr>
-              <a:t>;		// 2-D array</a:t>
-            </a:r>
-          </a:p>
-          <a:p>
-            <a:pPr marL="0" indent="0">
-              <a:buFont typeface="Wingdings" pitchFamily="2" charset="2"/>
-              <a:buNone/>
-              <a:tabLst>
-                <a:tab pos="457200" algn="l"/>
-                <a:tab pos="914400" algn="l"/>
-              </a:tabLst>
-              <a:defRPr/>
-            </a:pPr>
-            <a:r>
-              <a:rPr lang="en-US" b="1" dirty="0">
-                <a:latin typeface="Courier New" pitchFamily="49" charset="0"/>
-                <a:ea typeface="+mn-ea"/>
-                <a:cs typeface="Courier New" pitchFamily="49" charset="0"/>
-              </a:rPr>
-              <a:t>	</a:t>
-            </a:r>
-            <a:r>
-              <a:rPr lang="en-US" b="1" dirty="0" err="1" smtClean="0">
-                <a:latin typeface="Courier New" pitchFamily="49" charset="0"/>
-                <a:ea typeface="+mn-ea"/>
-                <a:cs typeface="Courier New" pitchFamily="49" charset="0"/>
-              </a:rPr>
-              <a:t>int</a:t>
-            </a:r>
-            <a:r>
-              <a:rPr lang="en-US" b="1" dirty="0" smtClean="0">
-                <a:latin typeface="Courier New" pitchFamily="49" charset="0"/>
-                <a:ea typeface="+mn-ea"/>
-                <a:cs typeface="Courier New" pitchFamily="49" charset="0"/>
-              </a:rPr>
-              <a:t> </a:t>
-            </a:r>
-            <a:r>
-              <a:rPr lang="en-US" b="1" dirty="0" err="1" smtClean="0">
-                <a:latin typeface="Courier New" pitchFamily="49" charset="0"/>
-                <a:ea typeface="+mn-ea"/>
-                <a:cs typeface="Courier New" pitchFamily="49" charset="0"/>
-              </a:rPr>
-              <a:t>nCols</a:t>
-            </a:r>
-            <a:r>
-              <a:rPr lang="en-US" b="1" dirty="0" smtClean="0">
-                <a:latin typeface="Courier New" pitchFamily="49" charset="0"/>
-                <a:ea typeface="+mn-ea"/>
-                <a:cs typeface="Courier New" pitchFamily="49" charset="0"/>
-              </a:rPr>
-              <a:t>;		// # of columns</a:t>
-            </a:r>
-          </a:p>
-          <a:p>
-            <a:pPr marL="0" indent="0">
-              <a:buFont typeface="Wingdings" pitchFamily="2" charset="2"/>
-              <a:buNone/>
-              <a:tabLst>
-                <a:tab pos="457200" algn="l"/>
-                <a:tab pos="914400" algn="l"/>
-              </a:tabLst>
-              <a:defRPr/>
-            </a:pPr>
-            <a:r>
-              <a:rPr lang="en-US" b="1" dirty="0">
-                <a:latin typeface="Courier New" pitchFamily="49" charset="0"/>
-                <a:ea typeface="+mn-ea"/>
-                <a:cs typeface="Courier New" pitchFamily="49" charset="0"/>
-              </a:rPr>
-              <a:t>	</a:t>
-            </a:r>
-            <a:r>
-              <a:rPr lang="en-US" b="1" dirty="0" err="1" smtClean="0">
-                <a:latin typeface="Courier New" pitchFamily="49" charset="0"/>
-                <a:ea typeface="+mn-ea"/>
-                <a:cs typeface="Courier New" pitchFamily="49" charset="0"/>
-              </a:rPr>
-              <a:t>int</a:t>
-            </a:r>
-            <a:r>
-              <a:rPr lang="en-US" b="1" dirty="0" smtClean="0">
-                <a:latin typeface="Courier New" pitchFamily="49" charset="0"/>
-                <a:ea typeface="+mn-ea"/>
-                <a:cs typeface="Courier New" pitchFamily="49" charset="0"/>
-              </a:rPr>
-              <a:t> </a:t>
-            </a:r>
-            <a:r>
-              <a:rPr lang="en-US" b="1" dirty="0" err="1" smtClean="0">
-                <a:latin typeface="Courier New" pitchFamily="49" charset="0"/>
-                <a:ea typeface="+mn-ea"/>
-                <a:cs typeface="Courier New" pitchFamily="49" charset="0"/>
-              </a:rPr>
-              <a:t>i</a:t>
-            </a:r>
-            <a:r>
-              <a:rPr lang="en-US" b="1" dirty="0" smtClean="0">
-                <a:latin typeface="Courier New" pitchFamily="49" charset="0"/>
-                <a:ea typeface="+mn-ea"/>
-                <a:cs typeface="Courier New" pitchFamily="49" charset="0"/>
-              </a:rPr>
-              <a:t>;		// Row index</a:t>
-            </a:r>
-          </a:p>
-          <a:p>
-            <a:pPr marL="0" indent="0">
-              <a:buFont typeface="Wingdings" pitchFamily="2" charset="2"/>
-              <a:buNone/>
-              <a:tabLst>
-                <a:tab pos="457200" algn="l"/>
-                <a:tab pos="914400" algn="l"/>
-              </a:tabLst>
-              <a:defRPr/>
-            </a:pPr>
-            <a:endParaRPr lang="en-US" b="1" dirty="0">
-              <a:latin typeface="Courier New" pitchFamily="49" charset="0"/>
-              <a:ea typeface="+mn-ea"/>
-              <a:cs typeface="Courier New" pitchFamily="49" charset="0"/>
-            </a:endParaRPr>
-          </a:p>
-          <a:p>
-            <a:pPr marL="0" indent="0">
-              <a:buFont typeface="Wingdings" pitchFamily="2" charset="2"/>
-              <a:buNone/>
-              <a:tabLst>
-                <a:tab pos="457200" algn="l"/>
-                <a:tab pos="914400" algn="l"/>
-              </a:tabLst>
-              <a:defRPr/>
-            </a:pPr>
-            <a:r>
-              <a:rPr lang="en-US" b="1" dirty="0" smtClean="0">
-                <a:latin typeface="Courier New" pitchFamily="49" charset="0"/>
-                <a:ea typeface="+mn-ea"/>
-                <a:cs typeface="Courier New" pitchFamily="49" charset="0"/>
-              </a:rPr>
-              <a:t>	// Calculate </a:t>
-            </a:r>
-            <a:r>
-              <a:rPr lang="en-US" b="1" dirty="0" err="1" smtClean="0">
-                <a:latin typeface="Courier New" pitchFamily="49" charset="0"/>
-                <a:ea typeface="+mn-ea"/>
-                <a:cs typeface="Courier New" pitchFamily="49" charset="0"/>
-              </a:rPr>
-              <a:t>nCols</a:t>
-            </a:r>
-            <a:r>
-              <a:rPr lang="en-US" b="1" dirty="0" smtClean="0">
-                <a:latin typeface="Courier New" pitchFamily="49" charset="0"/>
-                <a:ea typeface="+mn-ea"/>
-                <a:cs typeface="Courier New" pitchFamily="49" charset="0"/>
-              </a:rPr>
-              <a:t>; round up if </a:t>
-            </a:r>
-            <a:r>
-              <a:rPr lang="en-US" b="1" dirty="0" err="1" smtClean="0">
-                <a:latin typeface="Courier New" pitchFamily="49" charset="0"/>
-                <a:ea typeface="+mn-ea"/>
-                <a:cs typeface="Courier New" pitchFamily="49" charset="0"/>
-              </a:rPr>
-              <a:t>nR</a:t>
-            </a:r>
-            <a:r>
-              <a:rPr lang="en-US" b="1" dirty="0" smtClean="0">
-                <a:latin typeface="Courier New" pitchFamily="49" charset="0"/>
-                <a:ea typeface="+mn-ea"/>
-                <a:cs typeface="Courier New" pitchFamily="49" charset="0"/>
-              </a:rPr>
-              <a:t> does not divide evenly</a:t>
-            </a:r>
-          </a:p>
-          <a:p>
-            <a:pPr marL="0" indent="0">
-              <a:buFont typeface="Wingdings" pitchFamily="2" charset="2"/>
-              <a:buNone/>
-              <a:tabLst>
-                <a:tab pos="457200" algn="l"/>
-                <a:tab pos="914400" algn="l"/>
-              </a:tabLst>
-              <a:defRPr/>
-            </a:pPr>
-            <a:r>
-              <a:rPr lang="en-US" b="1" dirty="0">
-                <a:latin typeface="Courier New" pitchFamily="49" charset="0"/>
-                <a:ea typeface="+mn-ea"/>
-                <a:cs typeface="Courier New" pitchFamily="49" charset="0"/>
-              </a:rPr>
-              <a:t>	</a:t>
-            </a:r>
-            <a:r>
-              <a:rPr lang="en-US" b="1" dirty="0" err="1" smtClean="0">
-                <a:latin typeface="Courier New" pitchFamily="49" charset="0"/>
-                <a:ea typeface="+mn-ea"/>
-                <a:cs typeface="Courier New" pitchFamily="49" charset="0"/>
-              </a:rPr>
-              <a:t>nCols</a:t>
-            </a:r>
-            <a:r>
-              <a:rPr lang="en-US" b="1" dirty="0" smtClean="0">
-                <a:latin typeface="Courier New" pitchFamily="49" charset="0"/>
-                <a:ea typeface="+mn-ea"/>
-                <a:cs typeface="Courier New" pitchFamily="49" charset="0"/>
-              </a:rPr>
-              <a:t> = total / </a:t>
-            </a:r>
-            <a:r>
-              <a:rPr lang="en-US" b="1" dirty="0" err="1" smtClean="0">
-                <a:latin typeface="Courier New" pitchFamily="49" charset="0"/>
-                <a:ea typeface="+mn-ea"/>
-                <a:cs typeface="Courier New" pitchFamily="49" charset="0"/>
-              </a:rPr>
-              <a:t>nR</a:t>
-            </a:r>
-            <a:r>
-              <a:rPr lang="en-US" b="1" dirty="0" smtClean="0">
-                <a:latin typeface="Courier New" pitchFamily="49" charset="0"/>
-                <a:ea typeface="+mn-ea"/>
-                <a:cs typeface="Courier New" pitchFamily="49" charset="0"/>
-              </a:rPr>
-              <a:t>;</a:t>
-            </a:r>
-          </a:p>
-          <a:p>
-            <a:pPr marL="0" indent="0">
-              <a:buFont typeface="Wingdings" pitchFamily="2" charset="2"/>
-              <a:buNone/>
-              <a:tabLst>
-                <a:tab pos="457200" algn="l"/>
-                <a:tab pos="914400" algn="l"/>
-              </a:tabLst>
-              <a:defRPr/>
-            </a:pPr>
-            <a:r>
-              <a:rPr lang="en-US" b="1" dirty="0">
-                <a:latin typeface="Courier New" pitchFamily="49" charset="0"/>
-                <a:ea typeface="+mn-ea"/>
-                <a:cs typeface="Courier New" pitchFamily="49" charset="0"/>
-              </a:rPr>
-              <a:t>	</a:t>
-            </a:r>
-            <a:r>
-              <a:rPr lang="en-US" b="1" dirty="0" smtClean="0">
-                <a:latin typeface="Courier New" pitchFamily="49" charset="0"/>
-                <a:ea typeface="+mn-ea"/>
-                <a:cs typeface="Courier New" pitchFamily="49" charset="0"/>
-              </a:rPr>
-              <a:t>if ((total % </a:t>
-            </a:r>
-            <a:r>
-              <a:rPr lang="en-US" b="1" dirty="0" err="1" smtClean="0">
-                <a:latin typeface="Courier New" pitchFamily="49" charset="0"/>
-                <a:ea typeface="+mn-ea"/>
-                <a:cs typeface="Courier New" pitchFamily="49" charset="0"/>
-              </a:rPr>
-              <a:t>nR</a:t>
-            </a:r>
-            <a:r>
-              <a:rPr lang="en-US" b="1" dirty="0" smtClean="0">
-                <a:latin typeface="Courier New" pitchFamily="49" charset="0"/>
-                <a:ea typeface="+mn-ea"/>
-                <a:cs typeface="Courier New" pitchFamily="49" charset="0"/>
-              </a:rPr>
-              <a:t>) != 0)</a:t>
-            </a:r>
-          </a:p>
-          <a:p>
-            <a:pPr marL="0" indent="0">
-              <a:buFont typeface="Wingdings" pitchFamily="2" charset="2"/>
-              <a:buNone/>
-              <a:tabLst>
-                <a:tab pos="457200" algn="l"/>
-                <a:tab pos="914400" algn="l"/>
-              </a:tabLst>
-              <a:defRPr/>
-            </a:pPr>
-            <a:r>
-              <a:rPr lang="en-US" b="1" dirty="0">
-                <a:latin typeface="Courier New" pitchFamily="49" charset="0"/>
-                <a:ea typeface="+mn-ea"/>
-                <a:cs typeface="Courier New" pitchFamily="49" charset="0"/>
-              </a:rPr>
-              <a:t>	</a:t>
-            </a:r>
-            <a:r>
-              <a:rPr lang="en-US" b="1" dirty="0" smtClean="0">
-                <a:latin typeface="Courier New" pitchFamily="49" charset="0"/>
-                <a:ea typeface="+mn-ea"/>
-                <a:cs typeface="Courier New" pitchFamily="49" charset="0"/>
-              </a:rPr>
-              <a:t>	</a:t>
-            </a:r>
-            <a:r>
-              <a:rPr lang="en-US" b="1" dirty="0" err="1" smtClean="0">
-                <a:latin typeface="Courier New" pitchFamily="49" charset="0"/>
-                <a:ea typeface="+mn-ea"/>
-                <a:cs typeface="Courier New" pitchFamily="49" charset="0"/>
-              </a:rPr>
-              <a:t>nCols</a:t>
-            </a:r>
-            <a:r>
-              <a:rPr lang="en-US" b="1" dirty="0" smtClean="0">
-                <a:latin typeface="Courier New" pitchFamily="49" charset="0"/>
-                <a:ea typeface="+mn-ea"/>
-                <a:cs typeface="Courier New" pitchFamily="49" charset="0"/>
-              </a:rPr>
-              <a:t>++;</a:t>
-            </a:r>
-          </a:p>
-          <a:p>
-            <a:pPr marL="0" indent="0">
-              <a:buFont typeface="Wingdings" pitchFamily="2" charset="2"/>
-              <a:buNone/>
-              <a:tabLst>
-                <a:tab pos="457200" algn="l"/>
-                <a:tab pos="914400" algn="l"/>
-              </a:tabLst>
-              <a:defRPr/>
-            </a:pPr>
-            <a:endParaRPr lang="en-US" b="1" dirty="0" smtClean="0">
-              <a:latin typeface="Courier New" pitchFamily="49" charset="0"/>
-              <a:ea typeface="+mn-ea"/>
-              <a:cs typeface="Courier New" pitchFamily="49" charset="0"/>
-            </a:endParaRPr>
-          </a:p>
-          <a:p>
-            <a:pPr marL="0" indent="0">
-              <a:buFont typeface="Wingdings" pitchFamily="2" charset="2"/>
-              <a:buNone/>
-              <a:tabLst>
-                <a:tab pos="457200" algn="l"/>
-                <a:tab pos="914400" algn="l"/>
-              </a:tabLst>
-              <a:defRPr/>
-            </a:pPr>
-            <a:r>
-              <a:rPr lang="en-US" b="1" dirty="0">
-                <a:latin typeface="Courier New" pitchFamily="49" charset="0"/>
-                <a:ea typeface="+mn-ea"/>
-                <a:cs typeface="Courier New" pitchFamily="49" charset="0"/>
-              </a:rPr>
-              <a:t>	</a:t>
-            </a:r>
-            <a:r>
-              <a:rPr lang="en-US" b="1" dirty="0" smtClean="0">
-                <a:latin typeface="Courier New" pitchFamily="49" charset="0"/>
-                <a:ea typeface="+mn-ea"/>
-                <a:cs typeface="Courier New" pitchFamily="49" charset="0"/>
-              </a:rPr>
-              <a:t>// Allocate array--first array </a:t>
-            </a:r>
-            <a:r>
-              <a:rPr lang="en-US" b="1" smtClean="0">
-                <a:latin typeface="Courier New" pitchFamily="49" charset="0"/>
-                <a:ea typeface="+mn-ea"/>
-                <a:cs typeface="Courier New" pitchFamily="49" charset="0"/>
-              </a:rPr>
-              <a:t>of rows, </a:t>
-            </a:r>
-            <a:r>
-              <a:rPr lang="en-US" b="1" dirty="0" smtClean="0">
-                <a:latin typeface="Courier New" pitchFamily="49" charset="0"/>
-                <a:ea typeface="+mn-ea"/>
-                <a:cs typeface="Courier New" pitchFamily="49" charset="0"/>
-              </a:rPr>
-              <a:t>then each row</a:t>
-            </a:r>
-            <a:endParaRPr lang="en-US" b="1" dirty="0">
-              <a:latin typeface="Courier New" pitchFamily="49" charset="0"/>
-              <a:ea typeface="+mn-ea"/>
-              <a:cs typeface="Courier New" pitchFamily="49" charset="0"/>
-            </a:endParaRPr>
-          </a:p>
-          <a:p>
-            <a:pPr marL="0" indent="0">
-              <a:buFont typeface="Wingdings" pitchFamily="2" charset="2"/>
-              <a:buNone/>
-              <a:tabLst>
-                <a:tab pos="457200" algn="l"/>
-                <a:tab pos="914400" algn="l"/>
-              </a:tabLst>
-              <a:defRPr/>
-            </a:pPr>
-            <a:r>
-              <a:rPr lang="en-US" b="1" dirty="0" smtClean="0">
-                <a:latin typeface="Courier New" pitchFamily="49" charset="0"/>
-                <a:ea typeface="+mn-ea"/>
-                <a:cs typeface="Courier New" pitchFamily="49" charset="0"/>
-              </a:rPr>
-              <a:t>	</a:t>
-            </a:r>
-            <a:r>
-              <a:rPr lang="en-US" b="1" dirty="0" err="1" smtClean="0">
-                <a:latin typeface="Courier New" pitchFamily="49" charset="0"/>
-                <a:ea typeface="+mn-ea"/>
-                <a:cs typeface="Courier New" pitchFamily="49" charset="0"/>
-              </a:rPr>
-              <a:t>arr</a:t>
-            </a:r>
-            <a:r>
-              <a:rPr lang="en-US" b="1" dirty="0" smtClean="0">
-                <a:latin typeface="Courier New" pitchFamily="49" charset="0"/>
-                <a:ea typeface="+mn-ea"/>
-                <a:cs typeface="Courier New" pitchFamily="49" charset="0"/>
-              </a:rPr>
-              <a:t> = (</a:t>
-            </a:r>
-            <a:r>
-              <a:rPr lang="en-US" b="1" dirty="0" err="1" smtClean="0">
-                <a:latin typeface="Courier New" pitchFamily="49" charset="0"/>
-                <a:ea typeface="+mn-ea"/>
-                <a:cs typeface="Courier New" pitchFamily="49" charset="0"/>
-              </a:rPr>
-              <a:t>int</a:t>
-            </a:r>
-            <a:r>
-              <a:rPr lang="en-US" b="1" dirty="0" smtClean="0">
-                <a:latin typeface="Courier New" pitchFamily="49" charset="0"/>
-                <a:ea typeface="+mn-ea"/>
-                <a:cs typeface="Courier New" pitchFamily="49" charset="0"/>
-              </a:rPr>
-              <a:t> **)</a:t>
-            </a:r>
-            <a:r>
-              <a:rPr lang="en-US" b="1" dirty="0" err="1" smtClean="0">
-                <a:latin typeface="Courier New" pitchFamily="49" charset="0"/>
-                <a:ea typeface="+mn-ea"/>
-                <a:cs typeface="Courier New" pitchFamily="49" charset="0"/>
-              </a:rPr>
-              <a:t>malloc</a:t>
-            </a:r>
-            <a:r>
-              <a:rPr lang="en-US" b="1" dirty="0" smtClean="0">
-                <a:latin typeface="Courier New" pitchFamily="49" charset="0"/>
-                <a:ea typeface="+mn-ea"/>
-                <a:cs typeface="Courier New" pitchFamily="49" charset="0"/>
-              </a:rPr>
-              <a:t>(</a:t>
-            </a:r>
-            <a:r>
-              <a:rPr lang="en-US" b="1" dirty="0" err="1" smtClean="0">
-                <a:latin typeface="Courier New" pitchFamily="49" charset="0"/>
-                <a:ea typeface="+mn-ea"/>
-                <a:cs typeface="Courier New" pitchFamily="49" charset="0"/>
-              </a:rPr>
-              <a:t>nR</a:t>
-            </a:r>
-            <a:r>
-              <a:rPr lang="en-US" b="1" dirty="0" smtClean="0">
-                <a:latin typeface="Courier New" pitchFamily="49" charset="0"/>
-                <a:ea typeface="+mn-ea"/>
-                <a:cs typeface="Courier New" pitchFamily="49" charset="0"/>
-              </a:rPr>
-              <a:t> * </a:t>
-            </a:r>
-            <a:r>
-              <a:rPr lang="en-US" b="1" dirty="0" err="1" smtClean="0">
-                <a:latin typeface="Courier New" pitchFamily="49" charset="0"/>
-                <a:ea typeface="+mn-ea"/>
-                <a:cs typeface="Courier New" pitchFamily="49" charset="0"/>
-              </a:rPr>
-              <a:t>sizeof</a:t>
-            </a:r>
-            <a:r>
-              <a:rPr lang="en-US" b="1" dirty="0" smtClean="0">
-                <a:latin typeface="Courier New" pitchFamily="49" charset="0"/>
-                <a:ea typeface="+mn-ea"/>
-                <a:cs typeface="Courier New" pitchFamily="49" charset="0"/>
-              </a:rPr>
-              <a:t>(</a:t>
-            </a:r>
-            <a:r>
-              <a:rPr lang="en-US" b="1" dirty="0" err="1" smtClean="0">
-                <a:latin typeface="Courier New" pitchFamily="49" charset="0"/>
-                <a:ea typeface="+mn-ea"/>
-                <a:cs typeface="Courier New" pitchFamily="49" charset="0"/>
-              </a:rPr>
-              <a:t>int</a:t>
-            </a:r>
-            <a:r>
-              <a:rPr lang="en-US" b="1" dirty="0" smtClean="0">
-                <a:latin typeface="Courier New" pitchFamily="49" charset="0"/>
-                <a:ea typeface="+mn-ea"/>
-                <a:cs typeface="Courier New" pitchFamily="49" charset="0"/>
-              </a:rPr>
-              <a:t> *));</a:t>
-            </a:r>
-          </a:p>
-          <a:p>
-            <a:pPr marL="0" indent="0">
-              <a:buFont typeface="Wingdings" pitchFamily="2" charset="2"/>
-              <a:buNone/>
-              <a:tabLst>
-                <a:tab pos="457200" algn="l"/>
-                <a:tab pos="914400" algn="l"/>
-              </a:tabLst>
-              <a:defRPr/>
-            </a:pPr>
-            <a:r>
-              <a:rPr lang="en-US" b="1" dirty="0">
-                <a:latin typeface="Courier New" pitchFamily="49" charset="0"/>
-                <a:ea typeface="+mn-ea"/>
-                <a:cs typeface="Courier New" pitchFamily="49" charset="0"/>
-              </a:rPr>
-              <a:t>	</a:t>
-            </a:r>
-            <a:r>
-              <a:rPr lang="en-US" b="1" dirty="0" smtClean="0">
-                <a:latin typeface="Courier New" pitchFamily="49" charset="0"/>
-                <a:ea typeface="+mn-ea"/>
-                <a:cs typeface="Courier New" pitchFamily="49" charset="0"/>
-              </a:rPr>
-              <a:t>for (</a:t>
-            </a:r>
-            <a:r>
-              <a:rPr lang="en-US" b="1" dirty="0" err="1" smtClean="0">
-                <a:latin typeface="Courier New" pitchFamily="49" charset="0"/>
-                <a:ea typeface="+mn-ea"/>
-                <a:cs typeface="Courier New" pitchFamily="49" charset="0"/>
-              </a:rPr>
-              <a:t>i</a:t>
-            </a:r>
-            <a:r>
-              <a:rPr lang="en-US" b="1" dirty="0" smtClean="0">
-                <a:latin typeface="Courier New" pitchFamily="49" charset="0"/>
-                <a:ea typeface="+mn-ea"/>
-                <a:cs typeface="Courier New" pitchFamily="49" charset="0"/>
-              </a:rPr>
-              <a:t> = 0; </a:t>
-            </a:r>
-            <a:r>
-              <a:rPr lang="en-US" b="1" dirty="0" err="1" smtClean="0">
-                <a:latin typeface="Courier New" pitchFamily="49" charset="0"/>
-                <a:ea typeface="+mn-ea"/>
-                <a:cs typeface="Courier New" pitchFamily="49" charset="0"/>
-              </a:rPr>
-              <a:t>i</a:t>
-            </a:r>
-            <a:r>
-              <a:rPr lang="en-US" b="1" dirty="0" smtClean="0">
-                <a:latin typeface="Courier New" pitchFamily="49" charset="0"/>
-                <a:ea typeface="+mn-ea"/>
-                <a:cs typeface="Courier New" pitchFamily="49" charset="0"/>
-              </a:rPr>
-              <a:t> &lt; </a:t>
-            </a:r>
-            <a:r>
-              <a:rPr lang="en-US" b="1" dirty="0" err="1" smtClean="0">
-                <a:latin typeface="Courier New" pitchFamily="49" charset="0"/>
-                <a:ea typeface="+mn-ea"/>
-                <a:cs typeface="Courier New" pitchFamily="49" charset="0"/>
-              </a:rPr>
-              <a:t>nR</a:t>
-            </a:r>
-            <a:r>
-              <a:rPr lang="en-US" b="1" dirty="0" smtClean="0">
-                <a:latin typeface="Courier New" pitchFamily="49" charset="0"/>
-                <a:ea typeface="+mn-ea"/>
-                <a:cs typeface="Courier New" pitchFamily="49" charset="0"/>
-              </a:rPr>
-              <a:t>; </a:t>
-            </a:r>
-            <a:r>
-              <a:rPr lang="en-US" b="1" dirty="0" err="1" smtClean="0">
-                <a:latin typeface="Courier New" pitchFamily="49" charset="0"/>
-                <a:ea typeface="+mn-ea"/>
-                <a:cs typeface="Courier New" pitchFamily="49" charset="0"/>
-              </a:rPr>
-              <a:t>i</a:t>
-            </a:r>
-            <a:r>
-              <a:rPr lang="en-US" b="1" dirty="0" smtClean="0">
-                <a:latin typeface="Courier New" pitchFamily="49" charset="0"/>
-                <a:ea typeface="+mn-ea"/>
-                <a:cs typeface="Courier New" pitchFamily="49" charset="0"/>
-              </a:rPr>
-              <a:t>++)</a:t>
-            </a:r>
-          </a:p>
-          <a:p>
-            <a:pPr marL="0" indent="0">
-              <a:buFont typeface="Wingdings" pitchFamily="2" charset="2"/>
-              <a:buNone/>
-              <a:tabLst>
-                <a:tab pos="457200" algn="l"/>
-                <a:tab pos="914400" algn="l"/>
-              </a:tabLst>
-              <a:defRPr/>
-            </a:pPr>
-            <a:r>
-              <a:rPr lang="en-US" b="1" dirty="0">
-                <a:latin typeface="Courier New" pitchFamily="49" charset="0"/>
-                <a:ea typeface="+mn-ea"/>
-                <a:cs typeface="Courier New" pitchFamily="49" charset="0"/>
-              </a:rPr>
-              <a:t>	</a:t>
-            </a:r>
-            <a:r>
-              <a:rPr lang="en-US" b="1" dirty="0" smtClean="0">
-                <a:latin typeface="Courier New" pitchFamily="49" charset="0"/>
-                <a:ea typeface="+mn-ea"/>
-                <a:cs typeface="Courier New" pitchFamily="49" charset="0"/>
-              </a:rPr>
-              <a:t>	</a:t>
-            </a:r>
-            <a:r>
-              <a:rPr lang="en-US" b="1" dirty="0" err="1" smtClean="0">
-                <a:latin typeface="Courier New" pitchFamily="49" charset="0"/>
-                <a:ea typeface="+mn-ea"/>
-                <a:cs typeface="Courier New" pitchFamily="49" charset="0"/>
-              </a:rPr>
-              <a:t>arr</a:t>
-            </a:r>
-            <a:r>
-              <a:rPr lang="en-US" b="1" dirty="0" smtClean="0">
-                <a:latin typeface="Courier New" pitchFamily="49" charset="0"/>
-                <a:ea typeface="+mn-ea"/>
-                <a:cs typeface="Courier New" pitchFamily="49" charset="0"/>
-              </a:rPr>
-              <a:t>[</a:t>
-            </a:r>
-            <a:r>
-              <a:rPr lang="en-US" b="1" dirty="0" err="1" smtClean="0">
-                <a:latin typeface="Courier New" pitchFamily="49" charset="0"/>
-                <a:ea typeface="+mn-ea"/>
-                <a:cs typeface="Courier New" pitchFamily="49" charset="0"/>
-              </a:rPr>
-              <a:t>i</a:t>
-            </a:r>
-            <a:r>
-              <a:rPr lang="en-US" b="1" dirty="0" smtClean="0">
-                <a:latin typeface="Courier New" pitchFamily="49" charset="0"/>
-                <a:ea typeface="+mn-ea"/>
-                <a:cs typeface="Courier New" pitchFamily="49" charset="0"/>
-              </a:rPr>
-              <a:t>] = (</a:t>
-            </a:r>
-            <a:r>
-              <a:rPr lang="en-US" b="1" dirty="0" err="1" smtClean="0">
-                <a:latin typeface="Courier New" pitchFamily="49" charset="0"/>
-                <a:ea typeface="+mn-ea"/>
-                <a:cs typeface="Courier New" pitchFamily="49" charset="0"/>
-              </a:rPr>
-              <a:t>int</a:t>
-            </a:r>
-            <a:r>
-              <a:rPr lang="en-US" b="1" dirty="0" smtClean="0">
-                <a:latin typeface="Courier New" pitchFamily="49" charset="0"/>
-                <a:ea typeface="+mn-ea"/>
-                <a:cs typeface="Courier New" pitchFamily="49" charset="0"/>
-              </a:rPr>
-              <a:t> *)</a:t>
-            </a:r>
-            <a:r>
-              <a:rPr lang="en-US" b="1" dirty="0" err="1" smtClean="0">
-                <a:latin typeface="Courier New" pitchFamily="49" charset="0"/>
-                <a:ea typeface="+mn-ea"/>
-                <a:cs typeface="Courier New" pitchFamily="49" charset="0"/>
-              </a:rPr>
-              <a:t>malloc</a:t>
-            </a:r>
-            <a:r>
-              <a:rPr lang="en-US" b="1" dirty="0" smtClean="0">
-                <a:latin typeface="Courier New" pitchFamily="49" charset="0"/>
-                <a:ea typeface="+mn-ea"/>
-                <a:cs typeface="Courier New" pitchFamily="49" charset="0"/>
-              </a:rPr>
-              <a:t>(</a:t>
-            </a:r>
-            <a:r>
-              <a:rPr lang="en-US" b="1" dirty="0" err="1" smtClean="0">
-                <a:latin typeface="Courier New" pitchFamily="49" charset="0"/>
-                <a:ea typeface="+mn-ea"/>
-                <a:cs typeface="Courier New" pitchFamily="49" charset="0"/>
-              </a:rPr>
-              <a:t>nCols</a:t>
-            </a:r>
-            <a:r>
-              <a:rPr lang="en-US" b="1" dirty="0" smtClean="0">
-                <a:latin typeface="Courier New" pitchFamily="49" charset="0"/>
-                <a:ea typeface="+mn-ea"/>
-                <a:cs typeface="Courier New" pitchFamily="49" charset="0"/>
-              </a:rPr>
-              <a:t> * </a:t>
-            </a:r>
-            <a:r>
-              <a:rPr lang="en-US" b="1" dirty="0" err="1" smtClean="0">
-                <a:latin typeface="Courier New" pitchFamily="49" charset="0"/>
-                <a:ea typeface="+mn-ea"/>
-                <a:cs typeface="Courier New" pitchFamily="49" charset="0"/>
-              </a:rPr>
-              <a:t>sizeof</a:t>
-            </a:r>
-            <a:r>
-              <a:rPr lang="en-US" b="1" dirty="0" smtClean="0">
-                <a:latin typeface="Courier New" pitchFamily="49" charset="0"/>
-                <a:ea typeface="+mn-ea"/>
-                <a:cs typeface="Courier New" pitchFamily="49" charset="0"/>
-              </a:rPr>
-              <a:t>(</a:t>
-            </a:r>
-            <a:r>
-              <a:rPr lang="en-US" b="1" dirty="0" err="1" smtClean="0">
-                <a:latin typeface="Courier New" pitchFamily="49" charset="0"/>
-                <a:ea typeface="+mn-ea"/>
-                <a:cs typeface="Courier New" pitchFamily="49" charset="0"/>
-              </a:rPr>
-              <a:t>int</a:t>
-            </a:r>
-            <a:r>
-              <a:rPr lang="en-US" b="1" dirty="0" smtClean="0">
-                <a:latin typeface="Courier New" pitchFamily="49" charset="0"/>
-                <a:ea typeface="+mn-ea"/>
-                <a:cs typeface="Courier New" pitchFamily="49" charset="0"/>
-              </a:rPr>
-              <a:t>));</a:t>
-            </a:r>
-          </a:p>
-          <a:p>
-            <a:pPr marL="0" indent="0">
-              <a:buFont typeface="Wingdings" pitchFamily="2" charset="2"/>
-              <a:buNone/>
-              <a:tabLst>
-                <a:tab pos="457200" algn="l"/>
-                <a:tab pos="914400" algn="l"/>
-              </a:tabLst>
-              <a:defRPr/>
-            </a:pPr>
-            <a:r>
-              <a:rPr lang="en-US" b="1" dirty="0">
-                <a:latin typeface="Courier New" pitchFamily="49" charset="0"/>
-                <a:ea typeface="+mn-ea"/>
-                <a:cs typeface="Courier New" pitchFamily="49" charset="0"/>
-              </a:rPr>
-              <a:t>	</a:t>
-            </a:r>
-            <a:endParaRPr lang="en-US" b="1" dirty="0" smtClean="0">
-              <a:latin typeface="Courier New" pitchFamily="49" charset="0"/>
-              <a:ea typeface="+mn-ea"/>
-              <a:cs typeface="Courier New" pitchFamily="49" charset="0"/>
-            </a:endParaRPr>
-          </a:p>
-          <a:p>
-            <a:pPr marL="0" indent="0">
-              <a:buFont typeface="Wingdings" pitchFamily="2" charset="2"/>
-              <a:buNone/>
-              <a:tabLst>
-                <a:tab pos="457200" algn="l"/>
-                <a:tab pos="914400" algn="l"/>
-              </a:tabLst>
-              <a:defRPr/>
-            </a:pPr>
-            <a:r>
-              <a:rPr lang="en-US" b="1" dirty="0">
-                <a:latin typeface="Courier New" pitchFamily="49" charset="0"/>
-                <a:ea typeface="+mn-ea"/>
-                <a:cs typeface="Courier New" pitchFamily="49" charset="0"/>
-              </a:rPr>
-              <a:t>	</a:t>
-            </a:r>
-            <a:r>
-              <a:rPr lang="en-US" b="1" dirty="0" smtClean="0">
-                <a:latin typeface="Courier New" pitchFamily="49" charset="0"/>
-                <a:ea typeface="+mn-ea"/>
-                <a:cs typeface="Courier New" pitchFamily="49" charset="0"/>
-              </a:rPr>
-              <a:t>return </a:t>
-            </a:r>
-            <a:r>
-              <a:rPr lang="en-US" b="1" dirty="0" err="1" smtClean="0">
-                <a:latin typeface="Courier New" pitchFamily="49" charset="0"/>
-                <a:ea typeface="+mn-ea"/>
-                <a:cs typeface="Courier New" pitchFamily="49" charset="0"/>
-              </a:rPr>
-              <a:t>arr</a:t>
-            </a:r>
-            <a:r>
-              <a:rPr lang="en-US" b="1" dirty="0" smtClean="0">
-                <a:latin typeface="Courier New" pitchFamily="49" charset="0"/>
-                <a:ea typeface="+mn-ea"/>
-                <a:cs typeface="Courier New" pitchFamily="49" charset="0"/>
-              </a:rPr>
-              <a:t>;</a:t>
-            </a:r>
-          </a:p>
-          <a:p>
-            <a:pPr marL="0" indent="0">
-              <a:buFont typeface="Wingdings" pitchFamily="2" charset="2"/>
-              <a:buNone/>
-              <a:defRPr/>
-            </a:pPr>
-            <a:r>
-              <a:rPr lang="en-US" b="1" dirty="0">
-                <a:latin typeface="Courier New" pitchFamily="49" charset="0"/>
-                <a:ea typeface="+mn-ea"/>
-                <a:cs typeface="Courier New" pitchFamily="49" charset="0"/>
-              </a:rPr>
-              <a:t>}</a:t>
-            </a:r>
-            <a:endParaRPr lang="en-US" b="1" dirty="0">
-              <a:ea typeface="+mn-ea"/>
-              <a:cs typeface="+mn-cs"/>
-            </a:endParaRPr>
-          </a:p>
-        </p:txBody>
-      </p:sp>
-      <p:sp>
-        <p:nvSpPr>
-          <p:cNvPr id="39939" name="Date Placeholder 3"/>
-          <p:cNvSpPr>
-            <a:spLocks noGrp="1"/>
-          </p:cNvSpPr>
-          <p:nvPr>
-            <p:ph type="dt" sz="quarter" idx="10"/>
-          </p:nvPr>
-        </p:nvSpPr>
-        <p:spPr>
-          <a:noFill/>
-          <a:ln/>
-          <a:extLst>
-            <a:ext uri="{909E8E84-426E-40dd-AFC4-6F175D3DCCD1}">
-              <a14:hiddenFill xmlns:a14="http://schemas.microsoft.com/office/drawing/2010/main">
-                <a:solidFill>
-                  <a:srgbClr val="FFFFFF"/>
-                </a:solidFill>
-              </a14:hiddenFill>
-            </a:ext>
-            <a:ext uri="{91240B29-F687-4f45-9708-019B960494DF}">
-              <a14:hiddenLine xmlns:a14="http://schemas.microsoft.com/office/drawing/2010/main" w="9525">
-                <a:solidFill>
-                  <a:srgbClr val="000000"/>
-                </a:solidFill>
-                <a:miter lim="800000"/>
-                <a:headEnd/>
-                <a:tailEnd/>
-              </a14:hiddenLine>
-            </a:ext>
-          </a:extLst>
-        </p:spPr>
-        <p:txBody>
-          <a:bodyPr/>
-          <a:lstStyle>
-            <a:lvl1pPr eaLnBrk="0" hangingPunct="0">
-              <a:defRPr sz="2400">
-                <a:solidFill>
-                  <a:schemeClr val="tx1"/>
-                </a:solidFill>
-                <a:latin typeface="Arial" charset="0"/>
-                <a:ea typeface="ＭＳ Ｐゴシック" charset="0"/>
-                <a:cs typeface="ＭＳ Ｐゴシック" charset="0"/>
-              </a:defRPr>
-            </a:lvl1pPr>
-            <a:lvl2pPr marL="742950" indent="-285750" eaLnBrk="0" hangingPunct="0">
-              <a:defRPr sz="2400">
-                <a:solidFill>
-                  <a:schemeClr val="tx1"/>
-                </a:solidFill>
-                <a:latin typeface="Arial" charset="0"/>
-                <a:ea typeface="ＭＳ Ｐゴシック" charset="0"/>
-              </a:defRPr>
-            </a:lvl2pPr>
-            <a:lvl3pPr marL="1143000" indent="-228600" eaLnBrk="0" hangingPunct="0">
-              <a:defRPr sz="2400">
-                <a:solidFill>
-                  <a:schemeClr val="tx1"/>
-                </a:solidFill>
-                <a:latin typeface="Arial" charset="0"/>
-                <a:ea typeface="ＭＳ Ｐゴシック" charset="0"/>
-              </a:defRPr>
-            </a:lvl3pPr>
-            <a:lvl4pPr marL="1600200" indent="-228600" eaLnBrk="0" hangingPunct="0">
-              <a:defRPr sz="2400">
-                <a:solidFill>
-                  <a:schemeClr val="tx1"/>
-                </a:solidFill>
-                <a:latin typeface="Arial" charset="0"/>
-                <a:ea typeface="ＭＳ Ｐゴシック" charset="0"/>
-              </a:defRPr>
-            </a:lvl4pPr>
-            <a:lvl5pPr marL="2057400" indent="-228600" eaLnBrk="0" hangingPunct="0">
-              <a:defRPr sz="2400">
-                <a:solidFill>
-                  <a:schemeClr val="tx1"/>
-                </a:solidFill>
-                <a:latin typeface="Arial" charset="0"/>
-                <a:ea typeface="ＭＳ Ｐゴシック" charset="0"/>
-              </a:defRPr>
-            </a:lvl5pPr>
-            <a:lvl6pPr marL="2514600" indent="-228600" eaLnBrk="0" fontAlgn="base" hangingPunct="0">
-              <a:spcBef>
-                <a:spcPct val="0"/>
-              </a:spcBef>
-              <a:spcAft>
-                <a:spcPct val="0"/>
-              </a:spcAft>
-              <a:defRPr sz="2400">
-                <a:solidFill>
-                  <a:schemeClr val="tx1"/>
-                </a:solidFill>
-                <a:latin typeface="Arial" charset="0"/>
-                <a:ea typeface="ＭＳ Ｐゴシック" charset="0"/>
-              </a:defRPr>
-            </a:lvl6pPr>
-            <a:lvl7pPr marL="2971800" indent="-228600" eaLnBrk="0" fontAlgn="base" hangingPunct="0">
-              <a:spcBef>
-                <a:spcPct val="0"/>
-              </a:spcBef>
-              <a:spcAft>
-                <a:spcPct val="0"/>
-              </a:spcAft>
-              <a:defRPr sz="2400">
-                <a:solidFill>
-                  <a:schemeClr val="tx1"/>
-                </a:solidFill>
-                <a:latin typeface="Arial" charset="0"/>
-                <a:ea typeface="ＭＳ Ｐゴシック" charset="0"/>
-              </a:defRPr>
-            </a:lvl7pPr>
-            <a:lvl8pPr marL="3429000" indent="-228600" eaLnBrk="0" fontAlgn="base" hangingPunct="0">
-              <a:spcBef>
-                <a:spcPct val="0"/>
-              </a:spcBef>
-              <a:spcAft>
-                <a:spcPct val="0"/>
-              </a:spcAft>
-              <a:defRPr sz="2400">
-                <a:solidFill>
-                  <a:schemeClr val="tx1"/>
-                </a:solidFill>
-                <a:latin typeface="Arial" charset="0"/>
-                <a:ea typeface="ＭＳ Ｐゴシック" charset="0"/>
-              </a:defRPr>
-            </a:lvl8pPr>
-            <a:lvl9pPr marL="3886200" indent="-228600" eaLnBrk="0" fontAlgn="base" hangingPunct="0">
-              <a:spcBef>
-                <a:spcPct val="0"/>
-              </a:spcBef>
-              <a:spcAft>
-                <a:spcPct val="0"/>
-              </a:spcAft>
-              <a:defRPr sz="2400">
-                <a:solidFill>
-                  <a:schemeClr val="tx1"/>
-                </a:solidFill>
-                <a:latin typeface="Arial" charset="0"/>
-                <a:ea typeface="ＭＳ Ｐゴシック" charset="0"/>
-              </a:defRPr>
-            </a:lvl9pPr>
-          </a:lstStyle>
-          <a:p>
-            <a:pPr eaLnBrk="1" hangingPunct="1"/>
-            <a:fld id="{D76E58B4-99EE-ED41-A28F-8C7950143CBD}" type="datetime1">
-              <a:rPr lang="en-US" sz="1200" smtClean="0">
-                <a:latin typeface="Garamond" charset="0"/>
-              </a:rPr>
-              <a:t>4/12/16</a:t>
-            </a:fld>
-            <a:endParaRPr lang="en-US" sz="1200">
-              <a:latin typeface="Garamond" charset="0"/>
-            </a:endParaRPr>
-          </a:p>
-        </p:txBody>
-      </p:sp>
-      <p:sp>
-        <p:nvSpPr>
-          <p:cNvPr id="5" name="Footer Placeholder 4"/>
-          <p:cNvSpPr>
-            <a:spLocks noGrp="1"/>
-          </p:cNvSpPr>
-          <p:nvPr>
-            <p:ph type="ftr" sz="quarter" idx="11"/>
-          </p:nvPr>
-        </p:nvSpPr>
-        <p:spPr/>
-        <p:txBody>
-          <a:bodyPr/>
-          <a:lstStyle/>
-          <a:p>
-            <a:pPr>
-              <a:defRPr/>
-            </a:pPr>
-            <a:r>
-              <a:rPr lang="en-US" altLang="en-US" smtClean="0"/>
-              <a:t>ECE Application Programming: Lecture 29</a:t>
-            </a:r>
-            <a:endParaRPr lang="en-US" altLang="en-US"/>
-          </a:p>
-        </p:txBody>
-      </p:sp>
-      <p:sp>
-        <p:nvSpPr>
-          <p:cNvPr id="39941" name="Slide Number Placeholder 5"/>
-          <p:cNvSpPr>
-            <a:spLocks noGrp="1"/>
-          </p:cNvSpPr>
-          <p:nvPr>
-            <p:ph type="sldNum" sz="quarter" idx="12"/>
-          </p:nvPr>
-        </p:nvSpPr>
-        <p:spPr>
-          <a:noFill/>
-          <a:ln/>
-          <a:extLst>
-            <a:ext uri="{909E8E84-426E-40dd-AFC4-6F175D3DCCD1}">
-              <a14:hiddenFill xmlns:a14="http://schemas.microsoft.com/office/drawing/2010/main">
-                <a:solidFill>
-                  <a:srgbClr val="FFFFFF"/>
-                </a:solidFill>
-              </a14:hiddenFill>
-            </a:ext>
-            <a:ext uri="{91240B29-F687-4f45-9708-019B960494DF}">
-              <a14:hiddenLine xmlns:a14="http://schemas.microsoft.com/office/drawing/2010/main" w="9525">
-                <a:solidFill>
-                  <a:srgbClr val="000000"/>
-                </a:solidFill>
-                <a:miter lim="800000"/>
-                <a:headEnd/>
-                <a:tailEnd/>
-              </a14:hiddenLine>
-            </a:ext>
-          </a:extLst>
-        </p:spPr>
-        <p:txBody>
-          <a:bodyPr/>
-          <a:lstStyle>
-            <a:lvl1pPr eaLnBrk="0" hangingPunct="0">
-              <a:defRPr sz="2400">
-                <a:solidFill>
-                  <a:schemeClr val="tx1"/>
-                </a:solidFill>
-                <a:latin typeface="Arial" charset="0"/>
-                <a:ea typeface="ＭＳ Ｐゴシック" charset="0"/>
-                <a:cs typeface="ＭＳ Ｐゴシック" charset="0"/>
-              </a:defRPr>
-            </a:lvl1pPr>
-            <a:lvl2pPr marL="742950" indent="-285750" eaLnBrk="0" hangingPunct="0">
-              <a:defRPr sz="2400">
-                <a:solidFill>
-                  <a:schemeClr val="tx1"/>
-                </a:solidFill>
-                <a:latin typeface="Arial" charset="0"/>
-                <a:ea typeface="ＭＳ Ｐゴシック" charset="0"/>
-              </a:defRPr>
-            </a:lvl2pPr>
-            <a:lvl3pPr marL="1143000" indent="-228600" eaLnBrk="0" hangingPunct="0">
-              <a:defRPr sz="2400">
-                <a:solidFill>
-                  <a:schemeClr val="tx1"/>
-                </a:solidFill>
-                <a:latin typeface="Arial" charset="0"/>
-                <a:ea typeface="ＭＳ Ｐゴシック" charset="0"/>
-              </a:defRPr>
-            </a:lvl3pPr>
-            <a:lvl4pPr marL="1600200" indent="-228600" eaLnBrk="0" hangingPunct="0">
-              <a:defRPr sz="2400">
-                <a:solidFill>
-                  <a:schemeClr val="tx1"/>
-                </a:solidFill>
-                <a:latin typeface="Arial" charset="0"/>
-                <a:ea typeface="ＭＳ Ｐゴシック" charset="0"/>
-              </a:defRPr>
-            </a:lvl4pPr>
-            <a:lvl5pPr marL="2057400" indent="-228600" eaLnBrk="0" hangingPunct="0">
-              <a:defRPr sz="2400">
-                <a:solidFill>
-                  <a:schemeClr val="tx1"/>
-                </a:solidFill>
-                <a:latin typeface="Arial" charset="0"/>
-                <a:ea typeface="ＭＳ Ｐゴシック" charset="0"/>
-              </a:defRPr>
-            </a:lvl5pPr>
-            <a:lvl6pPr marL="2514600" indent="-228600" eaLnBrk="0" fontAlgn="base" hangingPunct="0">
-              <a:spcBef>
-                <a:spcPct val="0"/>
-              </a:spcBef>
-              <a:spcAft>
-                <a:spcPct val="0"/>
-              </a:spcAft>
-              <a:defRPr sz="2400">
-                <a:solidFill>
-                  <a:schemeClr val="tx1"/>
-                </a:solidFill>
-                <a:latin typeface="Arial" charset="0"/>
-                <a:ea typeface="ＭＳ Ｐゴシック" charset="0"/>
-              </a:defRPr>
-            </a:lvl6pPr>
-            <a:lvl7pPr marL="2971800" indent="-228600" eaLnBrk="0" fontAlgn="base" hangingPunct="0">
-              <a:spcBef>
-                <a:spcPct val="0"/>
-              </a:spcBef>
-              <a:spcAft>
-                <a:spcPct val="0"/>
-              </a:spcAft>
-              <a:defRPr sz="2400">
-                <a:solidFill>
-                  <a:schemeClr val="tx1"/>
-                </a:solidFill>
-                <a:latin typeface="Arial" charset="0"/>
-                <a:ea typeface="ＭＳ Ｐゴシック" charset="0"/>
-              </a:defRPr>
-            </a:lvl7pPr>
-            <a:lvl8pPr marL="3429000" indent="-228600" eaLnBrk="0" fontAlgn="base" hangingPunct="0">
-              <a:spcBef>
-                <a:spcPct val="0"/>
-              </a:spcBef>
-              <a:spcAft>
-                <a:spcPct val="0"/>
-              </a:spcAft>
-              <a:defRPr sz="2400">
-                <a:solidFill>
-                  <a:schemeClr val="tx1"/>
-                </a:solidFill>
-                <a:latin typeface="Arial" charset="0"/>
-                <a:ea typeface="ＭＳ Ｐゴシック" charset="0"/>
-              </a:defRPr>
-            </a:lvl8pPr>
-            <a:lvl9pPr marL="3886200" indent="-228600" eaLnBrk="0" fontAlgn="base" hangingPunct="0">
-              <a:spcBef>
-                <a:spcPct val="0"/>
-              </a:spcBef>
-              <a:spcAft>
-                <a:spcPct val="0"/>
-              </a:spcAft>
-              <a:defRPr sz="2400">
-                <a:solidFill>
-                  <a:schemeClr val="tx1"/>
-                </a:solidFill>
-                <a:latin typeface="Arial" charset="0"/>
-                <a:ea typeface="ＭＳ Ｐゴシック" charset="0"/>
-              </a:defRPr>
-            </a:lvl9pPr>
-          </a:lstStyle>
-          <a:p>
-            <a:pPr eaLnBrk="1" hangingPunct="1"/>
-            <a:fld id="{28574329-2840-DF45-B79E-5279658035AE}" type="slidenum">
-              <a:rPr lang="en-US" sz="1200">
-                <a:latin typeface="Garamond" charset="0"/>
-              </a:rPr>
-              <a:pPr eaLnBrk="1" hangingPunct="1"/>
-              <a:t>14</a:t>
-            </a:fld>
-            <a:endParaRPr lang="en-US" sz="1200">
-              <a:latin typeface="Garamond" charset="0"/>
-            </a:endParaRPr>
-          </a:p>
-        </p:txBody>
-      </p:sp>
-    </p:spTree>
-    <p:extLst>
-      <p:ext uri="{BB962C8B-B14F-4D97-AF65-F5344CB8AC3E}">
-        <p14:creationId xmlns:p14="http://schemas.microsoft.com/office/powerpoint/2010/main" val="4069814346"/>
-      </p:ext>
-    </p:extLst>
-  </p:cSld>
-  <p:clrMapOvr>
-    <a:masterClrMapping/>
-  </p:clrMapOvr>
-  <p:timing>
-    <p:tnLst>
-      <p:par>
-        <p:cTn xmlns:p14="http://schemas.microsoft.com/office/powerpoint/2010/main" id="1" dur="indefinite" restart="never" nodeType="tmRoot"/>
-      </p:par>
-    </p:tnLst>
-  </p:timing>
-</p:sld>
-</file>
-
-<file path=ppt/slides/slide15.xml><?xml version="1.0" encoding="utf-8"?>
-<p:sld xmlns:a="http://schemas.openxmlformats.org/drawingml/2006/main" xmlns:r="http://schemas.openxmlformats.org/officeDocument/2006/relationships" xmlns:p="http://schemas.openxmlformats.org/presentationml/2006/main">
-  <p:cSld>
-    <p:spTree>
-      <p:nvGrpSpPr>
-        <p:cNvPr id="1" name=""/>
-        <p:cNvGrpSpPr/>
-        <p:nvPr/>
-      </p:nvGrpSpPr>
-      <p:grpSpPr>
-        <a:xfrm>
-          <a:off x="0" y="0"/>
-          <a:ext cx="0" cy="0"/>
-          <a:chOff x="0" y="0"/>
-          <a:chExt cx="0" cy="0"/>
-        </a:xfrm>
-      </p:grpSpPr>
-      <p:sp>
-        <p:nvSpPr>
           <p:cNvPr id="23554" name="Title 1"/>
           <p:cNvSpPr>
             <a:spLocks noGrp="1"/>
@@ -9935,7 +6951,9 @@
         </p:nvSpPr>
         <p:spPr/>
         <p:txBody>
-          <a:bodyPr/>
+          <a:bodyPr>
+            <a:normAutofit lnSpcReduction="10000"/>
+          </a:bodyPr>
           <a:lstStyle/>
           <a:p>
             <a:pPr>
@@ -9995,14 +7013,25 @@
             <a:pPr lvl="1"/>
             <a:r>
               <a:rPr lang="en-US" dirty="0"/>
-              <a:t>Program 8 to be posted; due 4/20</a:t>
+              <a:t>Program 8 to be posted; due 4/22</a:t>
+            </a:r>
+          </a:p>
+          <a:p>
+            <a:pPr lvl="2"/>
+            <a:r>
+              <a:rPr lang="en-US" dirty="0"/>
+              <a:t>Max # late days: 5</a:t>
             </a:r>
           </a:p>
           <a:p>
             <a:pPr lvl="1"/>
             <a:r>
+              <a:rPr lang="en-US" dirty="0" smtClean="0"/>
+              <a:t>Only </a:t>
+            </a:r>
+            <a:r>
               <a:rPr lang="en-US" dirty="0"/>
-              <a:t>Only 9 programs this term</a:t>
+              <a:t>9 programs this term</a:t>
             </a:r>
           </a:p>
           <a:p>
@@ -10043,8 +7072,20 @@
             </a:r>
             <a:r>
               <a:rPr lang="en-US" dirty="0"/>
-              <a:t>be dropped</a:t>
-            </a:r>
+              <a:t>be </a:t>
+            </a:r>
+            <a:r>
+              <a:rPr lang="en-US" dirty="0" smtClean="0"/>
+              <a:t>dropped</a:t>
+            </a:r>
+          </a:p>
+          <a:p>
+            <a:pPr lvl="1"/>
+            <a:r>
+              <a:rPr lang="en-US" dirty="0" smtClean="0"/>
+              <a:t>No lecture Monday (Patriots’ Day)</a:t>
+            </a:r>
+            <a:endParaRPr lang="en-US" dirty="0"/>
           </a:p>
           <a:p>
             <a:pPr lvl="2">
@@ -10195,7 +7236,7 @@
             <a:pPr eaLnBrk="0" hangingPunct="0"/>
             <a:fld id="{2C8E206A-2C18-D740-A4F9-561171370CDF}" type="datetime1">
               <a:rPr lang="en-US" sz="1200" smtClean="0"/>
-              <a:t>4/12/16</a:t>
+              <a:t>4/14/16</a:t>
             </a:fld>
             <a:endParaRPr lang="en-US" sz="1200" dirty="0"/>
           </a:p>
@@ -10355,7 +7396,7 @@
             <a:fld id="{843FFED0-5613-D747-AC8F-CF84A7339BF4}" type="slidenum">
               <a:rPr lang="en-US" sz="1200"/>
               <a:pPr eaLnBrk="0" hangingPunct="0"/>
-              <a:t>15</a:t>
+              <a:t>12</a:t>
             </a:fld>
             <a:endParaRPr lang="en-US" sz="1200"/>
           </a:p>
@@ -10429,7 +7470,7 @@
         <p:spPr/>
         <p:txBody>
           <a:bodyPr>
-            <a:normAutofit fontScale="92500" lnSpcReduction="20000"/>
+            <a:normAutofit fontScale="85000" lnSpcReduction="20000"/>
           </a:bodyPr>
           <a:lstStyle/>
           <a:p>
@@ -10457,8 +7498,20 @@
             <a:pPr lvl="1"/>
             <a:r>
               <a:rPr lang="en-US" dirty="0" smtClean="0"/>
-              <a:t>Program 8 to be posted; due 4/20</a:t>
-            </a:r>
+              <a:t>Program 8 to be posted; due 4/</a:t>
+            </a:r>
+            <a:r>
+              <a:rPr lang="en-US" dirty="0" smtClean="0"/>
+              <a:t>22</a:t>
+            </a:r>
+          </a:p>
+          <a:p>
+            <a:pPr lvl="2"/>
+            <a:r>
+              <a:rPr lang="en-US" dirty="0" smtClean="0"/>
+              <a:t>Max # late days: 5</a:t>
+            </a:r>
+            <a:endParaRPr lang="en-US" dirty="0" smtClean="0"/>
           </a:p>
           <a:p>
             <a:pPr lvl="1"/>
@@ -10505,8 +7558,24 @@
             </a:r>
             <a:r>
               <a:rPr lang="en-US" dirty="0" smtClean="0"/>
-              <a:t>be dropped</a:t>
-            </a:r>
+              <a:t>be </a:t>
+            </a:r>
+            <a:r>
+              <a:rPr lang="en-US" dirty="0" smtClean="0"/>
+              <a:t>dropped</a:t>
+            </a:r>
+          </a:p>
+          <a:p>
+            <a:pPr lvl="1"/>
+            <a:r>
+              <a:rPr lang="en-US" dirty="0"/>
+              <a:t>No lecture Monday (Patriots’ Day</a:t>
+            </a:r>
+            <a:r>
+              <a:rPr lang="en-US" dirty="0" smtClean="0"/>
+              <a:t>)</a:t>
+            </a:r>
+            <a:endParaRPr lang="en-US" dirty="0" smtClean="0"/>
           </a:p>
           <a:p>
             <a:pPr lvl="1"/>
@@ -10537,7 +7606,6 @@
               <a:rPr lang="en-US" dirty="0" smtClean="0"/>
               <a:t>Dynamic memory allocation examples</a:t>
             </a:r>
-            <a:endParaRPr lang="en-US" dirty="0" smtClean="0"/>
           </a:p>
         </p:txBody>
       </p:sp>
@@ -10645,7 +7713,7 @@
           <a:p>
             <a:fld id="{81F4F82F-1491-6B44-BB15-5EC756DBA391}" type="datetime1">
               <a:rPr lang="en-US" sz="1200" smtClean="0"/>
-              <a:t>4/12/16</a:t>
+              <a:t>4/14/16</a:t>
             </a:fld>
             <a:endParaRPr lang="en-US" sz="1200" dirty="0"/>
           </a:p>
@@ -11454,7 +8522,7 @@
               <a:rPr lang="en-US" sz="1200" smtClean="0">
                 <a:latin typeface="Garamond" charset="0"/>
               </a:rPr>
-              <a:t>4/12/16</a:t>
+              <a:t>4/14/16</a:t>
             </a:fld>
             <a:endParaRPr lang="en-US" sz="1200">
               <a:latin typeface="Garamond" charset="0"/>
@@ -12141,7 +9209,7 @@
               <a:rPr lang="en-US" sz="1200" smtClean="0">
                 <a:latin typeface="Garamond" charset="0"/>
               </a:rPr>
-              <a:t>4/12/16</a:t>
+              <a:t>4/14/16</a:t>
             </a:fld>
             <a:endParaRPr lang="en-US" sz="1200">
               <a:latin typeface="Garamond" charset="0"/>
@@ -13112,7 +10180,7 @@
               <a:rPr lang="en-US" sz="1200" smtClean="0">
                 <a:latin typeface="Garamond" charset="0"/>
               </a:rPr>
-              <a:t>4/12/16</a:t>
+              <a:t>4/14/16</a:t>
             </a:fld>
             <a:endParaRPr lang="en-US" sz="1200">
               <a:latin typeface="Garamond" charset="0"/>
@@ -15760,7 +12828,7 @@
               <a:rPr lang="en-US" sz="1200" smtClean="0">
                 <a:latin typeface="Garamond" charset="0"/>
               </a:rPr>
-              <a:t>4/12/16</a:t>
+              <a:t>4/14/16</a:t>
             </a:fld>
             <a:endParaRPr lang="en-US" sz="1200">
               <a:latin typeface="Garamond" charset="0"/>
@@ -16250,7 +13318,7 @@
               <a:rPr lang="en-US" sz="1200" smtClean="0">
                 <a:latin typeface="Garamond" charset="0"/>
               </a:rPr>
-              <a:t>4/12/16</a:t>
+              <a:t>4/14/16</a:t>
             </a:fld>
             <a:endParaRPr lang="en-US" sz="1200">
               <a:latin typeface="Garamond" charset="0"/>
@@ -16911,7 +13979,7 @@
                 <a:latin typeface="Garamond" charset="0"/>
               </a:rPr>
               <a:pPr eaLnBrk="1" hangingPunct="1"/>
-              <a:t>4/12/16</a:t>
+              <a:t>4/14/16</a:t>
             </a:fld>
             <a:endParaRPr lang="en-US" sz="1200">
               <a:latin typeface="Garamond" charset="0"/>
@@ -17483,7 +14551,7 @@
                 <a:latin typeface="Garamond" charset="0"/>
               </a:rPr>
               <a:pPr eaLnBrk="1" hangingPunct="1"/>
-              <a:t>4/12/16</a:t>
+              <a:t>4/14/16</a:t>
             </a:fld>
             <a:endParaRPr lang="en-US" sz="1200">
               <a:latin typeface="Garamond" charset="0"/>
